--- a/GaborNoise实验报告.pptx
+++ b/GaborNoise实验报告.pptx
@@ -6,7 +6,7 @@
     <p:sldMasterId id="2147483684" r:id="rId2"/>
   </p:sldMasterIdLst>
   <p:notesMasterIdLst>
-    <p:notesMasterId r:id="rId28"/>
+    <p:notesMasterId r:id="rId31"/>
   </p:notesMasterIdLst>
   <p:sldIdLst>
     <p:sldId id="260" r:id="rId3"/>
@@ -29,11 +29,14 @@
     <p:sldId id="351" r:id="rId20"/>
     <p:sldId id="331" r:id="rId21"/>
     <p:sldId id="352" r:id="rId22"/>
-    <p:sldId id="353" r:id="rId23"/>
-    <p:sldId id="292" r:id="rId24"/>
-    <p:sldId id="354" r:id="rId25"/>
-    <p:sldId id="355" r:id="rId26"/>
-    <p:sldId id="288" r:id="rId27"/>
+    <p:sldId id="356" r:id="rId23"/>
+    <p:sldId id="353" r:id="rId24"/>
+    <p:sldId id="357" r:id="rId25"/>
+    <p:sldId id="358" r:id="rId26"/>
+    <p:sldId id="292" r:id="rId27"/>
+    <p:sldId id="354" r:id="rId28"/>
+    <p:sldId id="355" r:id="rId29"/>
+    <p:sldId id="288" r:id="rId30"/>
   </p:sldIdLst>
   <p:sldSz cx="9144000" cy="6858000" type="screen4x3"/>
   <p:notesSz cx="6858000" cy="9144000"/>
@@ -253,7 +256,7 @@
           <a:p>
             <a:fld id="{F4453B5B-35E9-468A-9EFA-B11CF05597BA}" type="datetimeFigureOut">
               <a:rPr lang="zh-CN" altLang="en-US" smtClean="0"/>
-              <a:t>2019/7/26</a:t>
+              <a:t>2020/6/19</a:t>
             </a:fld>
             <a:endParaRPr lang="zh-CN" altLang="en-US"/>
           </a:p>
@@ -1089,7 +1092,7 @@
           <a:p>
             <a:fld id="{30775AD2-3DAD-48FC-82B3-9765A9D3F23C}" type="slidenum">
               <a:rPr lang="zh-CN" altLang="en-US" smtClean="0"/>
-              <a:t>23</a:t>
+              <a:t>26</a:t>
             </a:fld>
             <a:endParaRPr lang="zh-CN" altLang="en-US"/>
           </a:p>
@@ -1173,7 +1176,7 @@
           <a:p>
             <a:fld id="{30775AD2-3DAD-48FC-82B3-9765A9D3F23C}" type="slidenum">
               <a:rPr lang="zh-CN" altLang="en-US" smtClean="0"/>
-              <a:t>24</a:t>
+              <a:t>27</a:t>
             </a:fld>
             <a:endParaRPr lang="zh-CN" altLang="en-US"/>
           </a:p>
@@ -1323,7 +1326,7 @@
           <a:p>
             <a:fld id="{76EF31D4-1AA4-45E7-8F10-C007A9A6DDB0}" type="datetimeFigureOut">
               <a:rPr lang="zh-HK" altLang="en-US" smtClean="0"/>
-              <a:t>26/7/2019</a:t>
+              <a:t>19/6/2020</a:t>
             </a:fld>
             <a:endParaRPr lang="zh-HK" altLang="en-US"/>
           </a:p>
@@ -1493,7 +1496,7 @@
           <a:p>
             <a:fld id="{76EF31D4-1AA4-45E7-8F10-C007A9A6DDB0}" type="datetimeFigureOut">
               <a:rPr lang="zh-HK" altLang="en-US" smtClean="0"/>
-              <a:t>26/7/2019</a:t>
+              <a:t>19/6/2020</a:t>
             </a:fld>
             <a:endParaRPr lang="zh-HK" altLang="en-US"/>
           </a:p>
@@ -1673,7 +1676,7 @@
           <a:p>
             <a:fld id="{76EF31D4-1AA4-45E7-8F10-C007A9A6DDB0}" type="datetimeFigureOut">
               <a:rPr lang="zh-HK" altLang="en-US" smtClean="0"/>
-              <a:t>26/7/2019</a:t>
+              <a:t>19/6/2020</a:t>
             </a:fld>
             <a:endParaRPr lang="zh-HK" altLang="en-US"/>
           </a:p>
@@ -1872,7 +1875,7 @@
                 </a:solidFill>
               </a:rPr>
               <a:pPr/>
-              <a:t>26/7/2019</a:t>
+              <a:t>19/6/2020</a:t>
             </a:fld>
             <a:endParaRPr lang="zh-HK" altLang="en-US">
               <a:solidFill>
@@ -2077,7 +2080,7 @@
                 </a:solidFill>
               </a:rPr>
               <a:pPr/>
-              <a:t>26/7/2019</a:t>
+              <a:t>19/6/2020</a:t>
             </a:fld>
             <a:endParaRPr lang="zh-HK" altLang="en-US">
               <a:solidFill>
@@ -2356,7 +2359,7 @@
                 </a:solidFill>
               </a:rPr>
               <a:pPr/>
-              <a:t>26/7/2019</a:t>
+              <a:t>19/6/2020</a:t>
             </a:fld>
             <a:endParaRPr lang="zh-HK" altLang="en-US">
               <a:solidFill>
@@ -2623,7 +2626,7 @@
                 </a:solidFill>
               </a:rPr>
               <a:pPr/>
-              <a:t>26/7/2019</a:t>
+              <a:t>19/6/2020</a:t>
             </a:fld>
             <a:endParaRPr lang="zh-HK" altLang="en-US">
               <a:solidFill>
@@ -3025,7 +3028,7 @@
                 </a:solidFill>
               </a:rPr>
               <a:pPr/>
-              <a:t>26/7/2019</a:t>
+              <a:t>19/6/2020</a:t>
             </a:fld>
             <a:endParaRPr lang="zh-HK" altLang="en-US">
               <a:solidFill>
@@ -3178,7 +3181,7 @@
                 </a:solidFill>
               </a:rPr>
               <a:pPr/>
-              <a:t>26/7/2019</a:t>
+              <a:t>19/6/2020</a:t>
             </a:fld>
             <a:endParaRPr lang="zh-HK" altLang="en-US">
               <a:solidFill>
@@ -3308,7 +3311,7 @@
                 </a:solidFill>
               </a:rPr>
               <a:pPr/>
-              <a:t>26/7/2019</a:t>
+              <a:t>19/6/2020</a:t>
             </a:fld>
             <a:endParaRPr lang="zh-HK" altLang="en-US">
               <a:solidFill>
@@ -3620,7 +3623,7 @@
                 </a:solidFill>
               </a:rPr>
               <a:pPr/>
-              <a:t>26/7/2019</a:t>
+              <a:t>19/6/2020</a:t>
             </a:fld>
             <a:endParaRPr lang="zh-HK" altLang="en-US">
               <a:solidFill>
@@ -3818,7 +3821,7 @@
           <a:p>
             <a:fld id="{76EF31D4-1AA4-45E7-8F10-C007A9A6DDB0}" type="datetimeFigureOut">
               <a:rPr lang="zh-HK" altLang="en-US" smtClean="0"/>
-              <a:t>26/7/2019</a:t>
+              <a:t>19/6/2020</a:t>
             </a:fld>
             <a:endParaRPr lang="zh-HK" altLang="en-US"/>
           </a:p>
@@ -4082,7 +4085,7 @@
                 </a:solidFill>
               </a:rPr>
               <a:pPr/>
-              <a:t>26/7/2019</a:t>
+              <a:t>19/6/2020</a:t>
             </a:fld>
             <a:endParaRPr lang="zh-HK" altLang="en-US">
               <a:solidFill>
@@ -4287,7 +4290,7 @@
                 </a:solidFill>
               </a:rPr>
               <a:pPr/>
-              <a:t>26/7/2019</a:t>
+              <a:t>19/6/2020</a:t>
             </a:fld>
             <a:endParaRPr lang="zh-HK" altLang="en-US">
               <a:solidFill>
@@ -4502,7 +4505,7 @@
                 </a:solidFill>
               </a:rPr>
               <a:pPr/>
-              <a:t>26/7/2019</a:t>
+              <a:t>19/6/2020</a:t>
             </a:fld>
             <a:endParaRPr lang="zh-HK" altLang="en-US">
               <a:solidFill>
@@ -4774,7 +4777,7 @@
           <a:p>
             <a:fld id="{76EF31D4-1AA4-45E7-8F10-C007A9A6DDB0}" type="datetimeFigureOut">
               <a:rPr lang="zh-HK" altLang="en-US" smtClean="0"/>
-              <a:t>26/7/2019</a:t>
+              <a:t>19/6/2020</a:t>
             </a:fld>
             <a:endParaRPr lang="zh-HK" altLang="en-US"/>
           </a:p>
@@ -5006,7 +5009,7 @@
           <a:p>
             <a:fld id="{76EF31D4-1AA4-45E7-8F10-C007A9A6DDB0}" type="datetimeFigureOut">
               <a:rPr lang="zh-HK" altLang="en-US" smtClean="0"/>
-              <a:t>26/7/2019</a:t>
+              <a:t>19/6/2020</a:t>
             </a:fld>
             <a:endParaRPr lang="zh-HK" altLang="en-US"/>
           </a:p>
@@ -5373,7 +5376,7 @@
           <a:p>
             <a:fld id="{76EF31D4-1AA4-45E7-8F10-C007A9A6DDB0}" type="datetimeFigureOut">
               <a:rPr lang="zh-HK" altLang="en-US" smtClean="0"/>
-              <a:t>26/7/2019</a:t>
+              <a:t>19/6/2020</a:t>
             </a:fld>
             <a:endParaRPr lang="zh-HK" altLang="en-US"/>
           </a:p>
@@ -5491,7 +5494,7 @@
           <a:p>
             <a:fld id="{76EF31D4-1AA4-45E7-8F10-C007A9A6DDB0}" type="datetimeFigureOut">
               <a:rPr lang="zh-HK" altLang="en-US" smtClean="0"/>
-              <a:t>26/7/2019</a:t>
+              <a:t>19/6/2020</a:t>
             </a:fld>
             <a:endParaRPr lang="zh-HK" altLang="en-US"/>
           </a:p>
@@ -5586,7 +5589,7 @@
           <a:p>
             <a:fld id="{76EF31D4-1AA4-45E7-8F10-C007A9A6DDB0}" type="datetimeFigureOut">
               <a:rPr lang="zh-HK" altLang="en-US" smtClean="0"/>
-              <a:t>26/7/2019</a:t>
+              <a:t>19/6/2020</a:t>
             </a:fld>
             <a:endParaRPr lang="zh-HK" altLang="en-US"/>
           </a:p>
@@ -5863,7 +5866,7 @@
           <a:p>
             <a:fld id="{76EF31D4-1AA4-45E7-8F10-C007A9A6DDB0}" type="datetimeFigureOut">
               <a:rPr lang="zh-HK" altLang="en-US" smtClean="0"/>
-              <a:t>26/7/2019</a:t>
+              <a:t>19/6/2020</a:t>
             </a:fld>
             <a:endParaRPr lang="zh-HK" altLang="en-US"/>
           </a:p>
@@ -6120,7 +6123,7 @@
           <a:p>
             <a:fld id="{76EF31D4-1AA4-45E7-8F10-C007A9A6DDB0}" type="datetimeFigureOut">
               <a:rPr lang="zh-HK" altLang="en-US" smtClean="0"/>
-              <a:t>26/7/2019</a:t>
+              <a:t>19/6/2020</a:t>
             </a:fld>
             <a:endParaRPr lang="zh-HK" altLang="en-US"/>
           </a:p>
@@ -6340,7 +6343,7 @@
           <a:p>
             <a:fld id="{76EF31D4-1AA4-45E7-8F10-C007A9A6DDB0}" type="datetimeFigureOut">
               <a:rPr lang="zh-HK" altLang="en-US" smtClean="0"/>
-              <a:t>26/7/2019</a:t>
+              <a:t>19/6/2020</a:t>
             </a:fld>
             <a:endParaRPr lang="zh-HK" altLang="en-US"/>
           </a:p>
@@ -6894,7 +6897,7 @@
                 </a:solidFill>
               </a:rPr>
               <a:pPr/>
-              <a:t>26/7/2019</a:t>
+              <a:t>19/6/2020</a:t>
             </a:fld>
             <a:endParaRPr lang="zh-HK" altLang="en-US">
               <a:solidFill>
@@ -7480,7 +7483,7 @@
                 <a:latin typeface="微软雅黑" panose="020B0503020204020204" pitchFamily="34" charset="-122"/>
                 <a:ea typeface="微软雅黑" panose="020B0503020204020204" pitchFamily="34" charset="-122"/>
               </a:rPr>
-              <a:t>Project2(Gabor Noise)</a:t>
+              <a:t>Project3(Gabor Noise)</a:t>
             </a:r>
             <a:endParaRPr lang="zh-CN" altLang="zh-CN" sz="4000" b="1" spc="300" dirty="0">
               <a:solidFill>
@@ -9491,7 +9494,7 @@
         </p:nvSpPr>
         <p:spPr>
           <a:xfrm>
-            <a:off x="2245116" y="3188897"/>
+            <a:off x="2246330" y="3344489"/>
             <a:ext cx="3593997" cy="1323439"/>
           </a:xfrm>
           <a:prstGeom prst="rect">
@@ -9751,7 +9754,7 @@
         </p:nvSpPr>
         <p:spPr>
           <a:xfrm>
-            <a:off x="2639205" y="5478980"/>
+            <a:off x="2639205" y="5505992"/>
             <a:ext cx="2492990" cy="1015663"/>
           </a:xfrm>
           <a:prstGeom prst="rect">
@@ -10560,7 +10563,7 @@
         </p:nvSpPr>
         <p:spPr>
           <a:xfrm>
-            <a:off x="6290169" y="4400844"/>
+            <a:off x="6189176" y="4265222"/>
             <a:ext cx="3593997" cy="707886"/>
           </a:xfrm>
           <a:prstGeom prst="rect">
@@ -10810,6 +10813,172 @@
                 <a:ea typeface="微软雅黑" panose="020B0503020204020204" pitchFamily="34" charset="-122"/>
               </a:rPr>
               <a:t>图像</a:t>
+            </a:r>
+            <a:endParaRPr lang="en-US" altLang="zh-CN" sz="2000" b="1" dirty="0">
+              <a:solidFill>
+                <a:srgbClr val="E74E3E"/>
+              </a:solidFill>
+              <a:latin typeface="微软雅黑" panose="020B0503020204020204" pitchFamily="34" charset="-122"/>
+              <a:ea typeface="微软雅黑" panose="020B0503020204020204" pitchFamily="34" charset="-122"/>
+            </a:endParaRPr>
+          </a:p>
+        </p:txBody>
+      </p:sp>
+      <p:sp>
+        <p:nvSpPr>
+          <p:cNvPr id="25" name="矩形 24">
+            <a:extLst>
+              <a:ext uri="{FF2B5EF4-FFF2-40B4-BE49-F238E27FC236}">
+                <a16:creationId xmlns:a16="http://schemas.microsoft.com/office/drawing/2014/main" id="{6805675E-09BE-4ABA-978A-AE86EEED32F5}"/>
+              </a:ext>
+            </a:extLst>
+          </p:cNvPr>
+          <p:cNvSpPr/>
+          <p:nvPr/>
+        </p:nvSpPr>
+        <p:spPr>
+          <a:xfrm>
+            <a:off x="3769042" y="2666244"/>
+            <a:ext cx="1526854" cy="557154"/>
+          </a:xfrm>
+          <a:prstGeom prst="rect">
+            <a:avLst/>
+          </a:prstGeom>
+          <a:solidFill>
+            <a:schemeClr val="accent2"/>
+          </a:solidFill>
+          <a:ln>
+            <a:noFill/>
+          </a:ln>
+          <a:effectLst>
+            <a:outerShdw blurRad="584200" dist="152400" dir="2580000" algn="ctr" rotWithShape="0">
+              <a:srgbClr val="000000"/>
+            </a:outerShdw>
+          </a:effectLst>
+        </p:spPr>
+        <p:style>
+          <a:lnRef idx="2">
+            <a:schemeClr val="accent1">
+              <a:shade val="50000"/>
+            </a:schemeClr>
+          </a:lnRef>
+          <a:fillRef idx="1">
+            <a:schemeClr val="accent1"/>
+          </a:fillRef>
+          <a:effectRef idx="0">
+            <a:schemeClr val="accent1"/>
+          </a:effectRef>
+          <a:fontRef idx="minor">
+            <a:schemeClr val="lt1"/>
+          </a:fontRef>
+        </p:style>
+        <p:txBody>
+          <a:bodyPr rtlCol="0" anchor="ctr"/>
+          <a:lstStyle/>
+          <a:p>
+            <a:pPr algn="ctr"/>
+            <a:r>
+              <a:rPr lang="en-US" altLang="zh-CN" sz="3200" b="1" dirty="0"/>
+              <a:t>Color</a:t>
+            </a:r>
+          </a:p>
+        </p:txBody>
+      </p:sp>
+      <p:sp>
+        <p:nvSpPr>
+          <p:cNvPr id="29" name="箭头: 右 28">
+            <a:extLst>
+              <a:ext uri="{FF2B5EF4-FFF2-40B4-BE49-F238E27FC236}">
+                <a16:creationId xmlns:a16="http://schemas.microsoft.com/office/drawing/2014/main" id="{FAF2AA8A-B2C4-4B63-90CB-58C3D0744D5B}"/>
+              </a:ext>
+            </a:extLst>
+          </p:cNvPr>
+          <p:cNvSpPr/>
+          <p:nvPr/>
+        </p:nvSpPr>
+        <p:spPr>
+          <a:xfrm rot="721252" flipH="1">
+            <a:off x="2800388" y="2558507"/>
+            <a:ext cx="946053" cy="520821"/>
+          </a:xfrm>
+          <a:prstGeom prst="rightArrow">
+            <a:avLst>
+              <a:gd name="adj1" fmla="val 37496"/>
+              <a:gd name="adj2" fmla="val 48675"/>
+            </a:avLst>
+          </a:prstGeom>
+          <a:noFill/>
+          <a:ln w="76200">
+            <a:solidFill>
+              <a:schemeClr val="accent2">
+                <a:lumMod val="75000"/>
+              </a:schemeClr>
+            </a:solidFill>
+          </a:ln>
+        </p:spPr>
+        <p:style>
+          <a:lnRef idx="2">
+            <a:schemeClr val="accent1">
+              <a:shade val="50000"/>
+            </a:schemeClr>
+          </a:lnRef>
+          <a:fillRef idx="1">
+            <a:schemeClr val="accent1"/>
+          </a:fillRef>
+          <a:effectRef idx="0">
+            <a:schemeClr val="accent1"/>
+          </a:effectRef>
+          <a:fontRef idx="minor">
+            <a:schemeClr val="lt1"/>
+          </a:fontRef>
+        </p:style>
+        <p:txBody>
+          <a:bodyPr rtlCol="0" anchor="ctr"/>
+          <a:lstStyle/>
+          <a:p>
+            <a:pPr algn="ctr"/>
+            <a:endParaRPr lang="zh-CN" altLang="en-US"/>
+          </a:p>
+        </p:txBody>
+      </p:sp>
+      <p:sp>
+        <p:nvSpPr>
+          <p:cNvPr id="32" name="文本框 31">
+            <a:extLst>
+              <a:ext uri="{FF2B5EF4-FFF2-40B4-BE49-F238E27FC236}">
+                <a16:creationId xmlns:a16="http://schemas.microsoft.com/office/drawing/2014/main" id="{01FCF901-2F03-4404-ACFD-EFF464E536D4}"/>
+              </a:ext>
+            </a:extLst>
+          </p:cNvPr>
+          <p:cNvSpPr txBox="1"/>
+          <p:nvPr/>
+        </p:nvSpPr>
+        <p:spPr>
+          <a:xfrm rot="744706">
+            <a:off x="2843737" y="2300825"/>
+            <a:ext cx="1361480" cy="400110"/>
+          </a:xfrm>
+          <a:prstGeom prst="rect">
+            <a:avLst/>
+          </a:prstGeom>
+          <a:noFill/>
+        </p:spPr>
+        <p:txBody>
+          <a:bodyPr wrap="square" rtlCol="0">
+            <a:spAutoFit/>
+          </a:bodyPr>
+          <a:lstStyle/>
+          <a:p>
+            <a:pPr algn="ctr"/>
+            <a:r>
+              <a:rPr lang="zh-CN" altLang="en-US" sz="2000" b="1" dirty="0">
+                <a:solidFill>
+                  <a:srgbClr val="E74E3E"/>
+                </a:solidFill>
+                <a:latin typeface="微软雅黑" panose="020B0503020204020204" pitchFamily="34" charset="-122"/>
+                <a:ea typeface="微软雅黑" panose="020B0503020204020204" pitchFamily="34" charset="-122"/>
+              </a:rPr>
+              <a:t>染色</a:t>
             </a:r>
             <a:endParaRPr lang="en-US" altLang="zh-CN" sz="2000" b="1" dirty="0">
               <a:solidFill>
@@ -13510,6 +13679,42 @@
           <a:chExt cx="0" cy="0"/>
         </a:xfrm>
       </p:grpSpPr>
+      <p:pic>
+        <p:nvPicPr>
+          <p:cNvPr id="4" name="图片 3">
+            <a:extLst>
+              <a:ext uri="{FF2B5EF4-FFF2-40B4-BE49-F238E27FC236}">
+                <a16:creationId xmlns:a16="http://schemas.microsoft.com/office/drawing/2014/main" id="{A98642ED-03C5-4484-98CF-59BDF5EA0D72}"/>
+              </a:ext>
+            </a:extLst>
+          </p:cNvPr>
+          <p:cNvPicPr>
+            <a:picLocks noChangeAspect="1"/>
+          </p:cNvPicPr>
+          <p:nvPr/>
+        </p:nvPicPr>
+        <p:blipFill>
+          <a:blip r:embed="rId2">
+            <a:extLst>
+              <a:ext uri="{28A0092B-C50C-407E-A947-70E740481C1C}">
+                <a14:useLocalDpi xmlns:a14="http://schemas.microsoft.com/office/drawing/2010/main" val="0"/>
+              </a:ext>
+            </a:extLst>
+          </a:blip>
+          <a:stretch>
+            <a:fillRect/>
+          </a:stretch>
+        </p:blipFill>
+        <p:spPr>
+          <a:xfrm>
+            <a:off x="-11546" y="1901818"/>
+            <a:ext cx="9144000" cy="4430973"/>
+          </a:xfrm>
+          <a:prstGeom prst="rect">
+            <a:avLst/>
+          </a:prstGeom>
+        </p:spPr>
+      </p:pic>
       <p:sp>
         <p:nvSpPr>
           <p:cNvPr id="12" name="矩形 11"/>
@@ -13673,42 +13878,6 @@
           </a:p>
         </p:txBody>
       </p:sp>
-      <p:pic>
-        <p:nvPicPr>
-          <p:cNvPr id="3" name="图片 2">
-            <a:extLst>
-              <a:ext uri="{FF2B5EF4-FFF2-40B4-BE49-F238E27FC236}">
-                <a16:creationId xmlns:a16="http://schemas.microsoft.com/office/drawing/2014/main" id="{8EB32AF5-C1A2-4B31-98D7-65C517BCA1C7}"/>
-              </a:ext>
-            </a:extLst>
-          </p:cNvPr>
-          <p:cNvPicPr>
-            <a:picLocks noChangeAspect="1"/>
-          </p:cNvPicPr>
-          <p:nvPr/>
-        </p:nvPicPr>
-        <p:blipFill>
-          <a:blip r:embed="rId2">
-            <a:extLst>
-              <a:ext uri="{28A0092B-C50C-407E-A947-70E740481C1C}">
-                <a14:useLocalDpi xmlns:a14="http://schemas.microsoft.com/office/drawing/2010/main" val="0"/>
-              </a:ext>
-            </a:extLst>
-          </a:blip>
-          <a:stretch>
-            <a:fillRect/>
-          </a:stretch>
-        </p:blipFill>
-        <p:spPr>
-          <a:xfrm>
-            <a:off x="-4957" y="1802147"/>
-            <a:ext cx="9144000" cy="4490840"/>
-          </a:xfrm>
-          <a:prstGeom prst="rect">
-            <a:avLst/>
-          </a:prstGeom>
-        </p:spPr>
-      </p:pic>
       <p:sp>
         <p:nvSpPr>
           <p:cNvPr id="5" name="椭圆 4">
@@ -14199,7 +14368,7 @@
         </p:nvSpPr>
         <p:spPr>
           <a:xfrm>
-            <a:off x="7200720" y="5135047"/>
+            <a:off x="7200720" y="6232407"/>
             <a:ext cx="1624562" cy="400110"/>
           </a:xfrm>
           <a:prstGeom prst="rect">
@@ -14799,6 +14968,107 @@
                 <a:ea typeface="微软雅黑" panose="020B0503020204020204" pitchFamily="34" charset="-122"/>
               </a:rPr>
               <a:t>拖动调整参数</a:t>
+            </a:r>
+            <a:endParaRPr lang="en-US" altLang="zh-CN" sz="2000" b="1" dirty="0">
+              <a:solidFill>
+                <a:srgbClr val="E74E3E"/>
+              </a:solidFill>
+              <a:latin typeface="微软雅黑" panose="020B0503020204020204" pitchFamily="34" charset="-122"/>
+              <a:ea typeface="微软雅黑" panose="020B0503020204020204" pitchFamily="34" charset="-122"/>
+            </a:endParaRPr>
+          </a:p>
+        </p:txBody>
+      </p:sp>
+      <p:sp>
+        <p:nvSpPr>
+          <p:cNvPr id="31" name="椭圆 30">
+            <a:extLst>
+              <a:ext uri="{FF2B5EF4-FFF2-40B4-BE49-F238E27FC236}">
+                <a16:creationId xmlns:a16="http://schemas.microsoft.com/office/drawing/2014/main" id="{EAB71BFF-3731-44CD-8681-44893B9DCA90}"/>
+              </a:ext>
+            </a:extLst>
+          </p:cNvPr>
+          <p:cNvSpPr/>
+          <p:nvPr/>
+        </p:nvSpPr>
+        <p:spPr>
+          <a:xfrm>
+            <a:off x="4726438" y="2215030"/>
+            <a:ext cx="1361480" cy="501805"/>
+          </a:xfrm>
+          <a:prstGeom prst="ellipse">
+            <a:avLst/>
+          </a:prstGeom>
+          <a:noFill/>
+          <a:ln w="76200">
+            <a:solidFill>
+              <a:srgbClr val="E74E3E"/>
+            </a:solidFill>
+          </a:ln>
+        </p:spPr>
+        <p:style>
+          <a:lnRef idx="2">
+            <a:schemeClr val="accent1">
+              <a:shade val="50000"/>
+            </a:schemeClr>
+          </a:lnRef>
+          <a:fillRef idx="1">
+            <a:schemeClr val="accent1"/>
+          </a:fillRef>
+          <a:effectRef idx="0">
+            <a:schemeClr val="accent1"/>
+          </a:effectRef>
+          <a:fontRef idx="minor">
+            <a:schemeClr val="lt1"/>
+          </a:fontRef>
+        </p:style>
+        <p:txBody>
+          <a:bodyPr rtlCol="0" anchor="ctr"/>
+          <a:lstStyle/>
+          <a:p>
+            <a:pPr algn="ctr"/>
+            <a:endParaRPr lang="zh-CN" altLang="en-US" dirty="0"/>
+          </a:p>
+        </p:txBody>
+      </p:sp>
+      <p:sp>
+        <p:nvSpPr>
+          <p:cNvPr id="32" name="文本框 31">
+            <a:extLst>
+              <a:ext uri="{FF2B5EF4-FFF2-40B4-BE49-F238E27FC236}">
+                <a16:creationId xmlns:a16="http://schemas.microsoft.com/office/drawing/2014/main" id="{376E759B-E9A8-4067-8E37-2412D3464142}"/>
+              </a:ext>
+            </a:extLst>
+          </p:cNvPr>
+          <p:cNvSpPr txBox="1"/>
+          <p:nvPr/>
+        </p:nvSpPr>
+        <p:spPr>
+          <a:xfrm>
+            <a:off x="4665625" y="1798085"/>
+            <a:ext cx="1361480" cy="400110"/>
+          </a:xfrm>
+          <a:prstGeom prst="rect">
+            <a:avLst/>
+          </a:prstGeom>
+          <a:noFill/>
+        </p:spPr>
+        <p:txBody>
+          <a:bodyPr wrap="square" rtlCol="0">
+            <a:spAutoFit/>
+          </a:bodyPr>
+          <a:lstStyle/>
+          <a:p>
+            <a:pPr algn="ctr"/>
+            <a:r>
+              <a:rPr lang="zh-CN" altLang="en-US" sz="2000" b="1" dirty="0">
+                <a:solidFill>
+                  <a:srgbClr val="E74E3E"/>
+                </a:solidFill>
+                <a:latin typeface="微软雅黑" panose="020B0503020204020204" pitchFamily="34" charset="-122"/>
+                <a:ea typeface="微软雅黑" panose="020B0503020204020204" pitchFamily="34" charset="-122"/>
+              </a:rPr>
+              <a:t>颜色映射</a:t>
             </a:r>
             <a:endParaRPr lang="en-US" altLang="zh-CN" sz="2000" b="1" dirty="0">
               <a:solidFill>
@@ -16557,6 +16827,42 @@
           <a:chExt cx="0" cy="0"/>
         </a:xfrm>
       </p:grpSpPr>
+      <p:pic>
+        <p:nvPicPr>
+          <p:cNvPr id="16" name="图片 15">
+            <a:extLst>
+              <a:ext uri="{FF2B5EF4-FFF2-40B4-BE49-F238E27FC236}">
+                <a16:creationId xmlns:a16="http://schemas.microsoft.com/office/drawing/2014/main" id="{6EFE959A-FD4D-4692-8953-C6F470C1FDAA}"/>
+              </a:ext>
+            </a:extLst>
+          </p:cNvPr>
+          <p:cNvPicPr>
+            <a:picLocks noChangeAspect="1"/>
+          </p:cNvPicPr>
+          <p:nvPr/>
+        </p:nvPicPr>
+        <p:blipFill>
+          <a:blip r:embed="rId2">
+            <a:extLst>
+              <a:ext uri="{28A0092B-C50C-407E-A947-70E740481C1C}">
+                <a14:useLocalDpi xmlns:a14="http://schemas.microsoft.com/office/drawing/2010/main" val="0"/>
+              </a:ext>
+            </a:extLst>
+          </a:blip>
+          <a:stretch>
+            <a:fillRect/>
+          </a:stretch>
+        </p:blipFill>
+        <p:spPr>
+          <a:xfrm>
+            <a:off x="0" y="1807892"/>
+            <a:ext cx="9144000" cy="4430973"/>
+          </a:xfrm>
+          <a:prstGeom prst="rect">
+            <a:avLst/>
+          </a:prstGeom>
+        </p:spPr>
+      </p:pic>
       <p:sp>
         <p:nvSpPr>
           <p:cNvPr id="12" name="矩形 11"/>
@@ -16720,42 +17026,6 @@
           </a:p>
         </p:txBody>
       </p:sp>
-      <p:pic>
-        <p:nvPicPr>
-          <p:cNvPr id="31" name="图片 30">
-            <a:extLst>
-              <a:ext uri="{FF2B5EF4-FFF2-40B4-BE49-F238E27FC236}">
-                <a16:creationId xmlns:a16="http://schemas.microsoft.com/office/drawing/2014/main" id="{9B24440D-3206-40A4-B19A-9E06D07F7309}"/>
-              </a:ext>
-            </a:extLst>
-          </p:cNvPr>
-          <p:cNvPicPr>
-            <a:picLocks noChangeAspect="1"/>
-          </p:cNvPicPr>
-          <p:nvPr/>
-        </p:nvPicPr>
-        <p:blipFill>
-          <a:blip r:embed="rId2">
-            <a:extLst>
-              <a:ext uri="{28A0092B-C50C-407E-A947-70E740481C1C}">
-                <a14:useLocalDpi xmlns:a14="http://schemas.microsoft.com/office/drawing/2010/main" val="0"/>
-              </a:ext>
-            </a:extLst>
-          </a:blip>
-          <a:stretch>
-            <a:fillRect/>
-          </a:stretch>
-        </p:blipFill>
-        <p:spPr>
-          <a:xfrm>
-            <a:off x="-4957" y="1802147"/>
-            <a:ext cx="9144000" cy="4490840"/>
-          </a:xfrm>
-          <a:prstGeom prst="rect">
-            <a:avLst/>
-          </a:prstGeom>
-        </p:spPr>
-      </p:pic>
       <p:sp>
         <p:nvSpPr>
           <p:cNvPr id="32" name="椭圆 31">
@@ -17278,6 +17548,1049 @@
 </file>
 
 <file path=ppt/slides/slide21.xml><?xml version="1.0" encoding="utf-8"?>
+<p:sld xmlns:a="http://schemas.openxmlformats.org/drawingml/2006/main" xmlns:r="http://schemas.openxmlformats.org/officeDocument/2006/relationships" xmlns:p="http://schemas.openxmlformats.org/presentationml/2006/main">
+  <p:cSld>
+    <p:spTree>
+      <p:nvGrpSpPr>
+        <p:cNvPr id="1" name=""/>
+        <p:cNvGrpSpPr/>
+        <p:nvPr/>
+      </p:nvGrpSpPr>
+      <p:grpSpPr>
+        <a:xfrm>
+          <a:off x="0" y="0"/>
+          <a:ext cx="0" cy="0"/>
+          <a:chOff x="0" y="0"/>
+          <a:chExt cx="0" cy="0"/>
+        </a:xfrm>
+      </p:grpSpPr>
+      <p:pic>
+        <p:nvPicPr>
+          <p:cNvPr id="3" name="图片 2">
+            <a:extLst>
+              <a:ext uri="{FF2B5EF4-FFF2-40B4-BE49-F238E27FC236}">
+                <a16:creationId xmlns:a16="http://schemas.microsoft.com/office/drawing/2014/main" id="{8F7DAAA9-FA2F-4AA4-8F99-A6AA990A6BD3}"/>
+              </a:ext>
+            </a:extLst>
+          </p:cNvPr>
+          <p:cNvPicPr>
+            <a:picLocks noChangeAspect="1"/>
+          </p:cNvPicPr>
+          <p:nvPr/>
+        </p:nvPicPr>
+        <p:blipFill>
+          <a:blip r:embed="rId2">
+            <a:extLst>
+              <a:ext uri="{28A0092B-C50C-407E-A947-70E740481C1C}">
+                <a14:useLocalDpi xmlns:a14="http://schemas.microsoft.com/office/drawing/2010/main" val="0"/>
+              </a:ext>
+            </a:extLst>
+          </a:blip>
+          <a:stretch>
+            <a:fillRect/>
+          </a:stretch>
+        </p:blipFill>
+        <p:spPr>
+          <a:xfrm>
+            <a:off x="1350086" y="1080596"/>
+            <a:ext cx="6137810" cy="5777404"/>
+          </a:xfrm>
+          <a:prstGeom prst="rect">
+            <a:avLst/>
+          </a:prstGeom>
+        </p:spPr>
+      </p:pic>
+      <p:sp>
+        <p:nvSpPr>
+          <p:cNvPr id="12" name="矩形 11"/>
+          <p:cNvSpPr/>
+          <p:nvPr/>
+        </p:nvSpPr>
+        <p:spPr>
+          <a:xfrm>
+            <a:off x="0" y="0"/>
+            <a:ext cx="9144000" cy="557154"/>
+          </a:xfrm>
+          <a:prstGeom prst="rect">
+            <a:avLst/>
+          </a:prstGeom>
+          <a:solidFill>
+            <a:srgbClr val="E74E3E"/>
+          </a:solidFill>
+          <a:ln>
+            <a:noFill/>
+          </a:ln>
+          <a:effectLst>
+            <a:outerShdw blurRad="50800" dist="12700" dir="5400000" algn="t" rotWithShape="0">
+              <a:prstClr val="black">
+                <a:alpha val="40000"/>
+              </a:prstClr>
+            </a:outerShdw>
+          </a:effectLst>
+        </p:spPr>
+        <p:style>
+          <a:lnRef idx="2">
+            <a:schemeClr val="accent1">
+              <a:shade val="50000"/>
+            </a:schemeClr>
+          </a:lnRef>
+          <a:fillRef idx="1">
+            <a:schemeClr val="accent1"/>
+          </a:fillRef>
+          <a:effectRef idx="0">
+            <a:schemeClr val="accent1"/>
+          </a:effectRef>
+          <a:fontRef idx="minor">
+            <a:schemeClr val="lt1"/>
+          </a:fontRef>
+        </p:style>
+        <p:txBody>
+          <a:bodyPr rtlCol="0" anchor="ctr"/>
+          <a:lstStyle/>
+          <a:p>
+            <a:pPr algn="ctr"/>
+            <a:endParaRPr lang="zh-HK" altLang="en-US"/>
+          </a:p>
+        </p:txBody>
+      </p:sp>
+      <p:sp>
+        <p:nvSpPr>
+          <p:cNvPr id="14" name="矩形 13"/>
+          <p:cNvSpPr/>
+          <p:nvPr/>
+        </p:nvSpPr>
+        <p:spPr>
+          <a:xfrm>
+            <a:off x="50800" y="97061"/>
+            <a:ext cx="1183407" cy="356730"/>
+          </a:xfrm>
+          <a:prstGeom prst="rect">
+            <a:avLst/>
+          </a:prstGeom>
+          <a:solidFill>
+            <a:schemeClr val="bg1"/>
+          </a:solidFill>
+          <a:ln>
+            <a:noFill/>
+          </a:ln>
+        </p:spPr>
+        <p:style>
+          <a:lnRef idx="2">
+            <a:schemeClr val="accent1">
+              <a:shade val="50000"/>
+            </a:schemeClr>
+          </a:lnRef>
+          <a:fillRef idx="1">
+            <a:schemeClr val="accent1"/>
+          </a:fillRef>
+          <a:effectRef idx="0">
+            <a:schemeClr val="accent1"/>
+          </a:effectRef>
+          <a:fontRef idx="minor">
+            <a:schemeClr val="lt1"/>
+          </a:fontRef>
+        </p:style>
+        <p:txBody>
+          <a:bodyPr rtlCol="0" anchor="ctr"/>
+          <a:lstStyle/>
+          <a:p>
+            <a:pPr algn="ctr"/>
+            <a:r>
+              <a:rPr lang="zh-CN" altLang="en-US" b="1" dirty="0">
+                <a:solidFill>
+                  <a:schemeClr val="tx1"/>
+                </a:solidFill>
+              </a:rPr>
+              <a:t>效果演示</a:t>
+            </a:r>
+            <a:endParaRPr lang="zh-HK" altLang="en-US" b="1" dirty="0">
+              <a:solidFill>
+                <a:schemeClr val="tx1"/>
+              </a:solidFill>
+            </a:endParaRPr>
+          </a:p>
+        </p:txBody>
+      </p:sp>
+      <p:sp>
+        <p:nvSpPr>
+          <p:cNvPr id="7" name="文本框 6">
+            <a:extLst>
+              <a:ext uri="{FF2B5EF4-FFF2-40B4-BE49-F238E27FC236}">
+                <a16:creationId xmlns:a16="http://schemas.microsoft.com/office/drawing/2014/main" id="{4E63355D-6CEE-4CCD-B48D-2C2CE663AEE2}"/>
+              </a:ext>
+            </a:extLst>
+          </p:cNvPr>
+          <p:cNvSpPr txBox="1"/>
+          <p:nvPr/>
+        </p:nvSpPr>
+        <p:spPr>
+          <a:xfrm>
+            <a:off x="2775001" y="663958"/>
+            <a:ext cx="3593997" cy="646331"/>
+          </a:xfrm>
+          <a:prstGeom prst="rect">
+            <a:avLst/>
+          </a:prstGeom>
+          <a:noFill/>
+          <a:ln>
+            <a:noFill/>
+          </a:ln>
+        </p:spPr>
+        <p:txBody>
+          <a:bodyPr wrap="square" rtlCol="0">
+            <a:spAutoFit/>
+          </a:bodyPr>
+          <a:lstStyle/>
+          <a:p>
+            <a:pPr algn="ctr"/>
+            <a:r>
+              <a:rPr lang="zh-CN" altLang="en-US" sz="3600" b="1" dirty="0">
+                <a:solidFill>
+                  <a:srgbClr val="E74E3E"/>
+                </a:solidFill>
+                <a:latin typeface="微软雅黑" panose="020B0503020204020204" pitchFamily="34" charset="-122"/>
+                <a:ea typeface="微软雅黑" panose="020B0503020204020204" pitchFamily="34" charset="-122"/>
+              </a:rPr>
+              <a:t>界面简介</a:t>
+            </a:r>
+            <a:endParaRPr lang="en-US" altLang="zh-CN" sz="3600" b="1" dirty="0">
+              <a:solidFill>
+                <a:srgbClr val="E74E3E"/>
+              </a:solidFill>
+              <a:latin typeface="微软雅黑" panose="020B0503020204020204" pitchFamily="34" charset="-122"/>
+              <a:ea typeface="微软雅黑" panose="020B0503020204020204" pitchFamily="34" charset="-122"/>
+            </a:endParaRPr>
+          </a:p>
+        </p:txBody>
+      </p:sp>
+      <p:sp>
+        <p:nvSpPr>
+          <p:cNvPr id="32" name="椭圆 31">
+            <a:extLst>
+              <a:ext uri="{FF2B5EF4-FFF2-40B4-BE49-F238E27FC236}">
+                <a16:creationId xmlns:a16="http://schemas.microsoft.com/office/drawing/2014/main" id="{75B17583-2238-4864-AB6C-60D97414A952}"/>
+              </a:ext>
+            </a:extLst>
+          </p:cNvPr>
+          <p:cNvSpPr/>
+          <p:nvPr/>
+        </p:nvSpPr>
+        <p:spPr>
+          <a:xfrm>
+            <a:off x="2614488" y="1550566"/>
+            <a:ext cx="4717094" cy="1784916"/>
+          </a:xfrm>
+          <a:prstGeom prst="ellipse">
+            <a:avLst/>
+          </a:prstGeom>
+          <a:noFill/>
+          <a:ln w="76200">
+            <a:solidFill>
+              <a:srgbClr val="E74E3E"/>
+            </a:solidFill>
+          </a:ln>
+        </p:spPr>
+        <p:style>
+          <a:lnRef idx="2">
+            <a:schemeClr val="accent1">
+              <a:shade val="50000"/>
+            </a:schemeClr>
+          </a:lnRef>
+          <a:fillRef idx="1">
+            <a:schemeClr val="accent1"/>
+          </a:fillRef>
+          <a:effectRef idx="0">
+            <a:schemeClr val="accent1"/>
+          </a:effectRef>
+          <a:fontRef idx="minor">
+            <a:schemeClr val="lt1"/>
+          </a:fontRef>
+        </p:style>
+        <p:txBody>
+          <a:bodyPr rtlCol="0" anchor="ctr"/>
+          <a:lstStyle/>
+          <a:p>
+            <a:pPr algn="ctr"/>
+            <a:endParaRPr lang="zh-CN" altLang="en-US" dirty="0"/>
+          </a:p>
+        </p:txBody>
+      </p:sp>
+      <p:sp>
+        <p:nvSpPr>
+          <p:cNvPr id="34" name="椭圆 33">
+            <a:extLst>
+              <a:ext uri="{FF2B5EF4-FFF2-40B4-BE49-F238E27FC236}">
+                <a16:creationId xmlns:a16="http://schemas.microsoft.com/office/drawing/2014/main" id="{6AD06A7D-3A90-4231-AEE2-5F9098ABE102}"/>
+              </a:ext>
+            </a:extLst>
+          </p:cNvPr>
+          <p:cNvSpPr/>
+          <p:nvPr/>
+        </p:nvSpPr>
+        <p:spPr>
+          <a:xfrm>
+            <a:off x="1504864" y="1606826"/>
+            <a:ext cx="871681" cy="4710875"/>
+          </a:xfrm>
+          <a:prstGeom prst="ellipse">
+            <a:avLst/>
+          </a:prstGeom>
+          <a:noFill/>
+          <a:ln w="76200">
+            <a:solidFill>
+              <a:srgbClr val="E74E3E"/>
+            </a:solidFill>
+          </a:ln>
+        </p:spPr>
+        <p:style>
+          <a:lnRef idx="2">
+            <a:schemeClr val="accent1">
+              <a:shade val="50000"/>
+            </a:schemeClr>
+          </a:lnRef>
+          <a:fillRef idx="1">
+            <a:schemeClr val="accent1"/>
+          </a:fillRef>
+          <a:effectRef idx="0">
+            <a:schemeClr val="accent1"/>
+          </a:effectRef>
+          <a:fontRef idx="minor">
+            <a:schemeClr val="lt1"/>
+          </a:fontRef>
+        </p:style>
+        <p:txBody>
+          <a:bodyPr rtlCol="0" anchor="ctr"/>
+          <a:lstStyle/>
+          <a:p>
+            <a:pPr algn="ctr"/>
+            <a:endParaRPr lang="zh-CN" altLang="en-US" dirty="0"/>
+          </a:p>
+        </p:txBody>
+      </p:sp>
+      <p:sp>
+        <p:nvSpPr>
+          <p:cNvPr id="38" name="椭圆 37">
+            <a:extLst>
+              <a:ext uri="{FF2B5EF4-FFF2-40B4-BE49-F238E27FC236}">
+                <a16:creationId xmlns:a16="http://schemas.microsoft.com/office/drawing/2014/main" id="{D989D121-BC08-46B3-9B7D-9FC2E20D8AB1}"/>
+              </a:ext>
+            </a:extLst>
+          </p:cNvPr>
+          <p:cNvSpPr/>
+          <p:nvPr/>
+        </p:nvSpPr>
+        <p:spPr>
+          <a:xfrm>
+            <a:off x="6252824" y="6279916"/>
+            <a:ext cx="1029266" cy="462511"/>
+          </a:xfrm>
+          <a:prstGeom prst="ellipse">
+            <a:avLst/>
+          </a:prstGeom>
+          <a:noFill/>
+          <a:ln w="76200">
+            <a:solidFill>
+              <a:srgbClr val="E74E3E"/>
+            </a:solidFill>
+          </a:ln>
+        </p:spPr>
+        <p:style>
+          <a:lnRef idx="2">
+            <a:schemeClr val="accent1">
+              <a:shade val="50000"/>
+            </a:schemeClr>
+          </a:lnRef>
+          <a:fillRef idx="1">
+            <a:schemeClr val="accent1"/>
+          </a:fillRef>
+          <a:effectRef idx="0">
+            <a:schemeClr val="accent1"/>
+          </a:effectRef>
+          <a:fontRef idx="minor">
+            <a:schemeClr val="lt1"/>
+          </a:fontRef>
+        </p:style>
+        <p:txBody>
+          <a:bodyPr rtlCol="0" anchor="ctr"/>
+          <a:lstStyle/>
+          <a:p>
+            <a:pPr algn="ctr"/>
+            <a:endParaRPr lang="zh-CN" altLang="en-US" dirty="0"/>
+          </a:p>
+        </p:txBody>
+      </p:sp>
+      <p:sp>
+        <p:nvSpPr>
+          <p:cNvPr id="40" name="椭圆 39">
+            <a:extLst>
+              <a:ext uri="{FF2B5EF4-FFF2-40B4-BE49-F238E27FC236}">
+                <a16:creationId xmlns:a16="http://schemas.microsoft.com/office/drawing/2014/main" id="{4315EDD5-4716-4EF0-9599-FB5628B7EED1}"/>
+              </a:ext>
+            </a:extLst>
+          </p:cNvPr>
+          <p:cNvSpPr/>
+          <p:nvPr/>
+        </p:nvSpPr>
+        <p:spPr>
+          <a:xfrm>
+            <a:off x="5463861" y="6396295"/>
+            <a:ext cx="739219" cy="364303"/>
+          </a:xfrm>
+          <a:prstGeom prst="ellipse">
+            <a:avLst/>
+          </a:prstGeom>
+          <a:noFill/>
+          <a:ln w="76200">
+            <a:solidFill>
+              <a:srgbClr val="E74E3E"/>
+            </a:solidFill>
+          </a:ln>
+        </p:spPr>
+        <p:style>
+          <a:lnRef idx="2">
+            <a:schemeClr val="accent1">
+              <a:shade val="50000"/>
+            </a:schemeClr>
+          </a:lnRef>
+          <a:fillRef idx="1">
+            <a:schemeClr val="accent1"/>
+          </a:fillRef>
+          <a:effectRef idx="0">
+            <a:schemeClr val="accent1"/>
+          </a:effectRef>
+          <a:fontRef idx="minor">
+            <a:schemeClr val="lt1"/>
+          </a:fontRef>
+        </p:style>
+        <p:txBody>
+          <a:bodyPr rtlCol="0" anchor="ctr"/>
+          <a:lstStyle/>
+          <a:p>
+            <a:pPr algn="ctr"/>
+            <a:endParaRPr lang="zh-CN" altLang="en-US" dirty="0"/>
+          </a:p>
+        </p:txBody>
+      </p:sp>
+      <p:sp>
+        <p:nvSpPr>
+          <p:cNvPr id="18" name="文本框 17">
+            <a:extLst>
+              <a:ext uri="{FF2B5EF4-FFF2-40B4-BE49-F238E27FC236}">
+                <a16:creationId xmlns:a16="http://schemas.microsoft.com/office/drawing/2014/main" id="{F8AE0DCE-656D-4DB0-8DA9-4AD922378FB8}"/>
+              </a:ext>
+            </a:extLst>
+          </p:cNvPr>
+          <p:cNvSpPr txBox="1"/>
+          <p:nvPr/>
+        </p:nvSpPr>
+        <p:spPr>
+          <a:xfrm>
+            <a:off x="-11394" y="3796792"/>
+            <a:ext cx="1361480" cy="707886"/>
+          </a:xfrm>
+          <a:prstGeom prst="rect">
+            <a:avLst/>
+          </a:prstGeom>
+          <a:noFill/>
+        </p:spPr>
+        <p:txBody>
+          <a:bodyPr wrap="square" rtlCol="0">
+            <a:spAutoFit/>
+          </a:bodyPr>
+          <a:lstStyle/>
+          <a:p>
+            <a:pPr algn="ctr"/>
+            <a:r>
+              <a:rPr lang="zh-CN" altLang="en-US" sz="2000" b="1" dirty="0">
+                <a:solidFill>
+                  <a:srgbClr val="E74E3E"/>
+                </a:solidFill>
+                <a:latin typeface="微软雅黑" panose="020B0503020204020204" pitchFamily="34" charset="-122"/>
+                <a:ea typeface="微软雅黑" panose="020B0503020204020204" pitchFamily="34" charset="-122"/>
+              </a:rPr>
+              <a:t>滑动选择关键点</a:t>
+            </a:r>
+            <a:endParaRPr lang="en-US" altLang="zh-CN" sz="2000" b="1" dirty="0">
+              <a:solidFill>
+                <a:srgbClr val="E74E3E"/>
+              </a:solidFill>
+              <a:latin typeface="微软雅黑" panose="020B0503020204020204" pitchFamily="34" charset="-122"/>
+              <a:ea typeface="微软雅黑" panose="020B0503020204020204" pitchFamily="34" charset="-122"/>
+            </a:endParaRPr>
+          </a:p>
+        </p:txBody>
+      </p:sp>
+      <p:sp>
+        <p:nvSpPr>
+          <p:cNvPr id="19" name="文本框 18">
+            <a:extLst>
+              <a:ext uri="{FF2B5EF4-FFF2-40B4-BE49-F238E27FC236}">
+                <a16:creationId xmlns:a16="http://schemas.microsoft.com/office/drawing/2014/main" id="{0EFDC5F5-A564-4C34-9F70-6A7D434A54C1}"/>
+              </a:ext>
+            </a:extLst>
+          </p:cNvPr>
+          <p:cNvSpPr txBox="1"/>
+          <p:nvPr/>
+        </p:nvSpPr>
+        <p:spPr>
+          <a:xfrm>
+            <a:off x="6138369" y="5435734"/>
+            <a:ext cx="1361480" cy="707886"/>
+          </a:xfrm>
+          <a:prstGeom prst="rect">
+            <a:avLst/>
+          </a:prstGeom>
+          <a:noFill/>
+        </p:spPr>
+        <p:txBody>
+          <a:bodyPr wrap="square" rtlCol="0">
+            <a:spAutoFit/>
+          </a:bodyPr>
+          <a:lstStyle/>
+          <a:p>
+            <a:pPr algn="ctr"/>
+            <a:r>
+              <a:rPr lang="zh-CN" altLang="en-US" sz="2000" b="1" dirty="0">
+                <a:solidFill>
+                  <a:srgbClr val="E74E3E"/>
+                </a:solidFill>
+                <a:latin typeface="微软雅黑" panose="020B0503020204020204" pitchFamily="34" charset="-122"/>
+                <a:ea typeface="微软雅黑" panose="020B0503020204020204" pitchFamily="34" charset="-122"/>
+              </a:rPr>
+              <a:t>关键点</a:t>
+            </a:r>
+            <a:endParaRPr lang="en-US" altLang="zh-CN" sz="2000" b="1" dirty="0">
+              <a:solidFill>
+                <a:srgbClr val="E74E3E"/>
+              </a:solidFill>
+              <a:latin typeface="微软雅黑" panose="020B0503020204020204" pitchFamily="34" charset="-122"/>
+              <a:ea typeface="微软雅黑" panose="020B0503020204020204" pitchFamily="34" charset="-122"/>
+            </a:endParaRPr>
+          </a:p>
+          <a:p>
+            <a:pPr algn="ctr"/>
+            <a:r>
+              <a:rPr lang="zh-CN" altLang="en-US" sz="2000" b="1" dirty="0">
+                <a:solidFill>
+                  <a:srgbClr val="E74E3E"/>
+                </a:solidFill>
+                <a:latin typeface="微软雅黑" panose="020B0503020204020204" pitchFamily="34" charset="-122"/>
+                <a:ea typeface="微软雅黑" panose="020B0503020204020204" pitchFamily="34" charset="-122"/>
+              </a:rPr>
+              <a:t>位置</a:t>
+            </a:r>
+            <a:endParaRPr lang="en-US" altLang="zh-CN" sz="2000" b="1" dirty="0">
+              <a:solidFill>
+                <a:srgbClr val="E74E3E"/>
+              </a:solidFill>
+              <a:latin typeface="微软雅黑" panose="020B0503020204020204" pitchFamily="34" charset="-122"/>
+              <a:ea typeface="微软雅黑" panose="020B0503020204020204" pitchFamily="34" charset="-122"/>
+            </a:endParaRPr>
+          </a:p>
+        </p:txBody>
+      </p:sp>
+      <p:sp>
+        <p:nvSpPr>
+          <p:cNvPr id="20" name="文本框 19">
+            <a:extLst>
+              <a:ext uri="{FF2B5EF4-FFF2-40B4-BE49-F238E27FC236}">
+                <a16:creationId xmlns:a16="http://schemas.microsoft.com/office/drawing/2014/main" id="{FDB9092A-39F0-4926-869D-B3BA9844E9B9}"/>
+              </a:ext>
+            </a:extLst>
+          </p:cNvPr>
+          <p:cNvSpPr txBox="1"/>
+          <p:nvPr/>
+        </p:nvSpPr>
+        <p:spPr>
+          <a:xfrm>
+            <a:off x="5135002" y="5488779"/>
+            <a:ext cx="1361480" cy="707886"/>
+          </a:xfrm>
+          <a:prstGeom prst="rect">
+            <a:avLst/>
+          </a:prstGeom>
+          <a:noFill/>
+        </p:spPr>
+        <p:txBody>
+          <a:bodyPr wrap="square" rtlCol="0">
+            <a:spAutoFit/>
+          </a:bodyPr>
+          <a:lstStyle/>
+          <a:p>
+            <a:pPr algn="ctr"/>
+            <a:r>
+              <a:rPr lang="zh-CN" altLang="en-US" sz="2000" b="1" dirty="0">
+                <a:solidFill>
+                  <a:srgbClr val="E74E3E"/>
+                </a:solidFill>
+                <a:latin typeface="微软雅黑" panose="020B0503020204020204" pitchFamily="34" charset="-122"/>
+                <a:ea typeface="微软雅黑" panose="020B0503020204020204" pitchFamily="34" charset="-122"/>
+              </a:rPr>
+              <a:t>修改关键点颜色</a:t>
+            </a:r>
+            <a:endParaRPr lang="en-US" altLang="zh-CN" sz="2000" b="1" dirty="0">
+              <a:solidFill>
+                <a:srgbClr val="E74E3E"/>
+              </a:solidFill>
+              <a:latin typeface="微软雅黑" panose="020B0503020204020204" pitchFamily="34" charset="-122"/>
+              <a:ea typeface="微软雅黑" panose="020B0503020204020204" pitchFamily="34" charset="-122"/>
+            </a:endParaRPr>
+          </a:p>
+        </p:txBody>
+      </p:sp>
+      <p:sp>
+        <p:nvSpPr>
+          <p:cNvPr id="21" name="椭圆 20">
+            <a:extLst>
+              <a:ext uri="{FF2B5EF4-FFF2-40B4-BE49-F238E27FC236}">
+                <a16:creationId xmlns:a16="http://schemas.microsoft.com/office/drawing/2014/main" id="{72A876DE-6F0F-4BD0-8F3D-89E11E1815BE}"/>
+              </a:ext>
+            </a:extLst>
+          </p:cNvPr>
+          <p:cNvSpPr/>
+          <p:nvPr/>
+        </p:nvSpPr>
+        <p:spPr>
+          <a:xfrm>
+            <a:off x="4571999" y="6378124"/>
+            <a:ext cx="739219" cy="364303"/>
+          </a:xfrm>
+          <a:prstGeom prst="ellipse">
+            <a:avLst/>
+          </a:prstGeom>
+          <a:noFill/>
+          <a:ln w="76200">
+            <a:solidFill>
+              <a:srgbClr val="E74E3E"/>
+            </a:solidFill>
+          </a:ln>
+        </p:spPr>
+        <p:style>
+          <a:lnRef idx="2">
+            <a:schemeClr val="accent1">
+              <a:shade val="50000"/>
+            </a:schemeClr>
+          </a:lnRef>
+          <a:fillRef idx="1">
+            <a:schemeClr val="accent1"/>
+          </a:fillRef>
+          <a:effectRef idx="0">
+            <a:schemeClr val="accent1"/>
+          </a:effectRef>
+          <a:fontRef idx="minor">
+            <a:schemeClr val="lt1"/>
+          </a:fontRef>
+        </p:style>
+        <p:txBody>
+          <a:bodyPr rtlCol="0" anchor="ctr"/>
+          <a:lstStyle/>
+          <a:p>
+            <a:pPr algn="ctr"/>
+            <a:endParaRPr lang="zh-CN" altLang="en-US" dirty="0"/>
+          </a:p>
+        </p:txBody>
+      </p:sp>
+      <p:sp>
+        <p:nvSpPr>
+          <p:cNvPr id="22" name="文本框 21">
+            <a:extLst>
+              <a:ext uri="{FF2B5EF4-FFF2-40B4-BE49-F238E27FC236}">
+                <a16:creationId xmlns:a16="http://schemas.microsoft.com/office/drawing/2014/main" id="{28CCF01E-BFF6-4B5A-BB0F-B70393817FB1}"/>
+              </a:ext>
+            </a:extLst>
+          </p:cNvPr>
+          <p:cNvSpPr txBox="1"/>
+          <p:nvPr/>
+        </p:nvSpPr>
+        <p:spPr>
+          <a:xfrm>
+            <a:off x="4251480" y="5522331"/>
+            <a:ext cx="1361480" cy="707886"/>
+          </a:xfrm>
+          <a:prstGeom prst="rect">
+            <a:avLst/>
+          </a:prstGeom>
+          <a:noFill/>
+        </p:spPr>
+        <p:txBody>
+          <a:bodyPr wrap="square" rtlCol="0">
+            <a:spAutoFit/>
+          </a:bodyPr>
+          <a:lstStyle/>
+          <a:p>
+            <a:pPr algn="ctr"/>
+            <a:r>
+              <a:rPr lang="zh-CN" altLang="en-US" sz="2000" b="1" dirty="0">
+                <a:solidFill>
+                  <a:srgbClr val="E74E3E"/>
+                </a:solidFill>
+                <a:latin typeface="微软雅黑" panose="020B0503020204020204" pitchFamily="34" charset="-122"/>
+                <a:ea typeface="微软雅黑" panose="020B0503020204020204" pitchFamily="34" charset="-122"/>
+              </a:rPr>
+              <a:t>删除</a:t>
+            </a:r>
+            <a:endParaRPr lang="en-US" altLang="zh-CN" sz="2000" b="1" dirty="0">
+              <a:solidFill>
+                <a:srgbClr val="E74E3E"/>
+              </a:solidFill>
+              <a:latin typeface="微软雅黑" panose="020B0503020204020204" pitchFamily="34" charset="-122"/>
+              <a:ea typeface="微软雅黑" panose="020B0503020204020204" pitchFamily="34" charset="-122"/>
+            </a:endParaRPr>
+          </a:p>
+          <a:p>
+            <a:pPr algn="ctr"/>
+            <a:r>
+              <a:rPr lang="zh-CN" altLang="en-US" sz="2000" b="1" dirty="0">
+                <a:solidFill>
+                  <a:srgbClr val="E74E3E"/>
+                </a:solidFill>
+                <a:latin typeface="微软雅黑" panose="020B0503020204020204" pitchFamily="34" charset="-122"/>
+                <a:ea typeface="微软雅黑" panose="020B0503020204020204" pitchFamily="34" charset="-122"/>
+              </a:rPr>
+              <a:t>关键点</a:t>
+            </a:r>
+            <a:endParaRPr lang="en-US" altLang="zh-CN" sz="2000" b="1" dirty="0">
+              <a:solidFill>
+                <a:srgbClr val="E74E3E"/>
+              </a:solidFill>
+              <a:latin typeface="微软雅黑" panose="020B0503020204020204" pitchFamily="34" charset="-122"/>
+              <a:ea typeface="微软雅黑" panose="020B0503020204020204" pitchFamily="34" charset="-122"/>
+            </a:endParaRPr>
+          </a:p>
+        </p:txBody>
+      </p:sp>
+      <p:sp>
+        <p:nvSpPr>
+          <p:cNvPr id="23" name="文本框 22">
+            <a:extLst>
+              <a:ext uri="{FF2B5EF4-FFF2-40B4-BE49-F238E27FC236}">
+                <a16:creationId xmlns:a16="http://schemas.microsoft.com/office/drawing/2014/main" id="{4D9F6755-4D8B-4E8B-A22E-C3FC431EB740}"/>
+              </a:ext>
+            </a:extLst>
+          </p:cNvPr>
+          <p:cNvSpPr txBox="1"/>
+          <p:nvPr/>
+        </p:nvSpPr>
+        <p:spPr>
+          <a:xfrm>
+            <a:off x="4418991" y="3504981"/>
+            <a:ext cx="1476427" cy="707886"/>
+          </a:xfrm>
+          <a:prstGeom prst="rect">
+            <a:avLst/>
+          </a:prstGeom>
+          <a:noFill/>
+        </p:spPr>
+        <p:txBody>
+          <a:bodyPr wrap="square" rtlCol="0">
+            <a:spAutoFit/>
+          </a:bodyPr>
+          <a:lstStyle/>
+          <a:p>
+            <a:pPr algn="ctr"/>
+            <a:r>
+              <a:rPr lang="zh-CN" altLang="en-US" sz="2000" b="1" dirty="0">
+                <a:solidFill>
+                  <a:srgbClr val="E74E3E"/>
+                </a:solidFill>
+                <a:latin typeface="微软雅黑" panose="020B0503020204020204" pitchFamily="34" charset="-122"/>
+                <a:ea typeface="微软雅黑" panose="020B0503020204020204" pitchFamily="34" charset="-122"/>
+              </a:rPr>
+              <a:t>点击表格选择关键点</a:t>
+            </a:r>
+            <a:endParaRPr lang="en-US" altLang="zh-CN" sz="2000" b="1" dirty="0">
+              <a:solidFill>
+                <a:srgbClr val="E74E3E"/>
+              </a:solidFill>
+              <a:latin typeface="微软雅黑" panose="020B0503020204020204" pitchFamily="34" charset="-122"/>
+              <a:ea typeface="微软雅黑" panose="020B0503020204020204" pitchFamily="34" charset="-122"/>
+            </a:endParaRPr>
+          </a:p>
+        </p:txBody>
+      </p:sp>
+      <p:sp>
+        <p:nvSpPr>
+          <p:cNvPr id="24" name="椭圆 23">
+            <a:extLst>
+              <a:ext uri="{FF2B5EF4-FFF2-40B4-BE49-F238E27FC236}">
+                <a16:creationId xmlns:a16="http://schemas.microsoft.com/office/drawing/2014/main" id="{B14793DD-2C11-42D2-92BF-87F7D3F94829}"/>
+              </a:ext>
+            </a:extLst>
+          </p:cNvPr>
+          <p:cNvSpPr/>
+          <p:nvPr/>
+        </p:nvSpPr>
+        <p:spPr>
+          <a:xfrm>
+            <a:off x="3647713" y="6395890"/>
+            <a:ext cx="739219" cy="364303"/>
+          </a:xfrm>
+          <a:prstGeom prst="ellipse">
+            <a:avLst/>
+          </a:prstGeom>
+          <a:noFill/>
+          <a:ln w="76200">
+            <a:solidFill>
+              <a:srgbClr val="E74E3E"/>
+            </a:solidFill>
+          </a:ln>
+        </p:spPr>
+        <p:style>
+          <a:lnRef idx="2">
+            <a:schemeClr val="accent1">
+              <a:shade val="50000"/>
+            </a:schemeClr>
+          </a:lnRef>
+          <a:fillRef idx="1">
+            <a:schemeClr val="accent1"/>
+          </a:fillRef>
+          <a:effectRef idx="0">
+            <a:schemeClr val="accent1"/>
+          </a:effectRef>
+          <a:fontRef idx="minor">
+            <a:schemeClr val="lt1"/>
+          </a:fontRef>
+        </p:style>
+        <p:txBody>
+          <a:bodyPr rtlCol="0" anchor="ctr"/>
+          <a:lstStyle/>
+          <a:p>
+            <a:pPr algn="ctr"/>
+            <a:endParaRPr lang="zh-CN" altLang="en-US" dirty="0"/>
+          </a:p>
+        </p:txBody>
+      </p:sp>
+      <p:sp>
+        <p:nvSpPr>
+          <p:cNvPr id="25" name="椭圆 24">
+            <a:extLst>
+              <a:ext uri="{FF2B5EF4-FFF2-40B4-BE49-F238E27FC236}">
+                <a16:creationId xmlns:a16="http://schemas.microsoft.com/office/drawing/2014/main" id="{704C3DC9-DD1B-4205-893E-76174C794A29}"/>
+              </a:ext>
+            </a:extLst>
+          </p:cNvPr>
+          <p:cNvSpPr/>
+          <p:nvPr/>
+        </p:nvSpPr>
+        <p:spPr>
+          <a:xfrm>
+            <a:off x="2807301" y="6378123"/>
+            <a:ext cx="739219" cy="364303"/>
+          </a:xfrm>
+          <a:prstGeom prst="ellipse">
+            <a:avLst/>
+          </a:prstGeom>
+          <a:noFill/>
+          <a:ln w="76200">
+            <a:solidFill>
+              <a:srgbClr val="E74E3E"/>
+            </a:solidFill>
+          </a:ln>
+        </p:spPr>
+        <p:style>
+          <a:lnRef idx="2">
+            <a:schemeClr val="accent1">
+              <a:shade val="50000"/>
+            </a:schemeClr>
+          </a:lnRef>
+          <a:fillRef idx="1">
+            <a:schemeClr val="accent1"/>
+          </a:fillRef>
+          <a:effectRef idx="0">
+            <a:schemeClr val="accent1"/>
+          </a:effectRef>
+          <a:fontRef idx="minor">
+            <a:schemeClr val="lt1"/>
+          </a:fontRef>
+        </p:style>
+        <p:txBody>
+          <a:bodyPr rtlCol="0" anchor="ctr"/>
+          <a:lstStyle/>
+          <a:p>
+            <a:pPr algn="ctr"/>
+            <a:endParaRPr lang="zh-CN" altLang="en-US" dirty="0"/>
+          </a:p>
+        </p:txBody>
+      </p:sp>
+      <p:sp>
+        <p:nvSpPr>
+          <p:cNvPr id="26" name="文本框 25">
+            <a:extLst>
+              <a:ext uri="{FF2B5EF4-FFF2-40B4-BE49-F238E27FC236}">
+                <a16:creationId xmlns:a16="http://schemas.microsoft.com/office/drawing/2014/main" id="{487C4501-1ADC-48D5-8CAC-222D7B1A4DD7}"/>
+              </a:ext>
+            </a:extLst>
+          </p:cNvPr>
+          <p:cNvSpPr txBox="1"/>
+          <p:nvPr/>
+        </p:nvSpPr>
+        <p:spPr>
+          <a:xfrm>
+            <a:off x="2901954" y="5522331"/>
+            <a:ext cx="1504857" cy="707886"/>
+          </a:xfrm>
+          <a:prstGeom prst="rect">
+            <a:avLst/>
+          </a:prstGeom>
+          <a:noFill/>
+        </p:spPr>
+        <p:txBody>
+          <a:bodyPr wrap="square" rtlCol="0">
+            <a:spAutoFit/>
+          </a:bodyPr>
+          <a:lstStyle/>
+          <a:p>
+            <a:pPr algn="ctr"/>
+            <a:r>
+              <a:rPr lang="zh-CN" altLang="en-US" sz="2000" b="1" dirty="0">
+                <a:solidFill>
+                  <a:srgbClr val="E74E3E"/>
+                </a:solidFill>
+                <a:latin typeface="微软雅黑" panose="020B0503020204020204" pitchFamily="34" charset="-122"/>
+                <a:ea typeface="微软雅黑" panose="020B0503020204020204" pitchFamily="34" charset="-122"/>
+              </a:rPr>
+              <a:t>保存</a:t>
+            </a:r>
+            <a:r>
+              <a:rPr lang="en-US" altLang="zh-CN" sz="2000" b="1" dirty="0">
+                <a:solidFill>
+                  <a:srgbClr val="E74E3E"/>
+                </a:solidFill>
+                <a:latin typeface="微软雅黑" panose="020B0503020204020204" pitchFamily="34" charset="-122"/>
+                <a:ea typeface="微软雅黑" panose="020B0503020204020204" pitchFamily="34" charset="-122"/>
+              </a:rPr>
+              <a:t>/</a:t>
+            </a:r>
+            <a:r>
+              <a:rPr lang="zh-CN" altLang="en-US" sz="2000" b="1" dirty="0">
+                <a:solidFill>
+                  <a:srgbClr val="E74E3E"/>
+                </a:solidFill>
+                <a:latin typeface="微软雅黑" panose="020B0503020204020204" pitchFamily="34" charset="-122"/>
+                <a:ea typeface="微软雅黑" panose="020B0503020204020204" pitchFamily="34" charset="-122"/>
+              </a:rPr>
+              <a:t>读取颜色映射表</a:t>
+            </a:r>
+            <a:endParaRPr lang="en-US" altLang="zh-CN" sz="2000" b="1" dirty="0">
+              <a:solidFill>
+                <a:srgbClr val="E74E3E"/>
+              </a:solidFill>
+              <a:latin typeface="微软雅黑" panose="020B0503020204020204" pitchFamily="34" charset="-122"/>
+              <a:ea typeface="微软雅黑" panose="020B0503020204020204" pitchFamily="34" charset="-122"/>
+            </a:endParaRPr>
+          </a:p>
+        </p:txBody>
+      </p:sp>
+      <p:pic>
+        <p:nvPicPr>
+          <p:cNvPr id="5" name="图片 4">
+            <a:extLst>
+              <a:ext uri="{FF2B5EF4-FFF2-40B4-BE49-F238E27FC236}">
+                <a16:creationId xmlns:a16="http://schemas.microsoft.com/office/drawing/2014/main" id="{F0F837DC-E244-42D3-ABB2-8ED089BB8257}"/>
+              </a:ext>
+            </a:extLst>
+          </p:cNvPr>
+          <p:cNvPicPr>
+            <a:picLocks noChangeAspect="1"/>
+          </p:cNvPicPr>
+          <p:nvPr/>
+        </p:nvPicPr>
+        <p:blipFill>
+          <a:blip r:embed="rId3" cstate="print">
+            <a:extLst>
+              <a:ext uri="{28A0092B-C50C-407E-A947-70E740481C1C}">
+                <a14:useLocalDpi xmlns:a14="http://schemas.microsoft.com/office/drawing/2010/main" val="0"/>
+              </a:ext>
+            </a:extLst>
+          </a:blip>
+          <a:stretch>
+            <a:fillRect/>
+          </a:stretch>
+        </p:blipFill>
+        <p:spPr>
+          <a:xfrm>
+            <a:off x="6982015" y="3354084"/>
+            <a:ext cx="2046957" cy="1644804"/>
+          </a:xfrm>
+          <a:prstGeom prst="rect">
+            <a:avLst/>
+          </a:prstGeom>
+        </p:spPr>
+      </p:pic>
+      <p:sp>
+        <p:nvSpPr>
+          <p:cNvPr id="31" name="箭头: 右 30">
+            <a:extLst>
+              <a:ext uri="{FF2B5EF4-FFF2-40B4-BE49-F238E27FC236}">
+                <a16:creationId xmlns:a16="http://schemas.microsoft.com/office/drawing/2014/main" id="{96588CB9-B310-479B-8113-791ECC3B5A44}"/>
+              </a:ext>
+            </a:extLst>
+          </p:cNvPr>
+          <p:cNvSpPr/>
+          <p:nvPr/>
+        </p:nvSpPr>
+        <p:spPr>
+          <a:xfrm rot="7700177" flipH="1">
+            <a:off x="5714505" y="4706195"/>
+            <a:ext cx="1239149" cy="520821"/>
+          </a:xfrm>
+          <a:prstGeom prst="rightArrow">
+            <a:avLst>
+              <a:gd name="adj1" fmla="val 37496"/>
+              <a:gd name="adj2" fmla="val 48675"/>
+            </a:avLst>
+          </a:prstGeom>
+          <a:noFill/>
+          <a:ln w="76200">
+            <a:solidFill>
+              <a:schemeClr val="accent2">
+                <a:lumMod val="75000"/>
+              </a:schemeClr>
+            </a:solidFill>
+          </a:ln>
+        </p:spPr>
+        <p:style>
+          <a:lnRef idx="2">
+            <a:schemeClr val="accent1">
+              <a:shade val="50000"/>
+            </a:schemeClr>
+          </a:lnRef>
+          <a:fillRef idx="1">
+            <a:schemeClr val="accent1"/>
+          </a:fillRef>
+          <a:effectRef idx="0">
+            <a:schemeClr val="accent1"/>
+          </a:effectRef>
+          <a:fontRef idx="minor">
+            <a:schemeClr val="lt1"/>
+          </a:fontRef>
+        </p:style>
+        <p:txBody>
+          <a:bodyPr rtlCol="0" anchor="ctr"/>
+          <a:lstStyle/>
+          <a:p>
+            <a:pPr algn="ctr"/>
+            <a:endParaRPr lang="zh-CN" altLang="en-US"/>
+          </a:p>
+        </p:txBody>
+      </p:sp>
+    </p:spTree>
+    <p:extLst>
+      <p:ext uri="{BB962C8B-B14F-4D97-AF65-F5344CB8AC3E}">
+        <p14:creationId xmlns:p14="http://schemas.microsoft.com/office/powerpoint/2010/main" val="3814205798"/>
+      </p:ext>
+    </p:extLst>
+  </p:cSld>
+  <p:clrMapOvr>
+    <a:masterClrMapping/>
+  </p:clrMapOvr>
+  <p:transition>
+    <p:wipe/>
+  </p:transition>
+</p:sld>
+</file>
+
+<file path=ppt/slides/slide22.xml><?xml version="1.0" encoding="utf-8"?>
 <p:sld xmlns:a="http://schemas.openxmlformats.org/drawingml/2006/main" xmlns:r="http://schemas.openxmlformats.org/officeDocument/2006/relationships" xmlns:p="http://schemas.openxmlformats.org/presentationml/2006/main">
   <p:cSld>
     <p:spTree>
@@ -17811,7 +19124,787 @@
 </p:sld>
 </file>
 
-<file path=ppt/slides/slide22.xml><?xml version="1.0" encoding="utf-8"?>
+<file path=ppt/slides/slide23.xml><?xml version="1.0" encoding="utf-8"?>
+<p:sld xmlns:a="http://schemas.openxmlformats.org/drawingml/2006/main" xmlns:r="http://schemas.openxmlformats.org/officeDocument/2006/relationships" xmlns:p="http://schemas.openxmlformats.org/presentationml/2006/main">
+  <p:cSld>
+    <p:spTree>
+      <p:nvGrpSpPr>
+        <p:cNvPr id="1" name=""/>
+        <p:cNvGrpSpPr/>
+        <p:nvPr/>
+      </p:nvGrpSpPr>
+      <p:grpSpPr>
+        <a:xfrm>
+          <a:off x="0" y="0"/>
+          <a:ext cx="0" cy="0"/>
+          <a:chOff x="0" y="0"/>
+          <a:chExt cx="0" cy="0"/>
+        </a:xfrm>
+      </p:grpSpPr>
+      <p:sp>
+        <p:nvSpPr>
+          <p:cNvPr id="12" name="矩形 11"/>
+          <p:cNvSpPr/>
+          <p:nvPr/>
+        </p:nvSpPr>
+        <p:spPr>
+          <a:xfrm>
+            <a:off x="0" y="0"/>
+            <a:ext cx="9144000" cy="557154"/>
+          </a:xfrm>
+          <a:prstGeom prst="rect">
+            <a:avLst/>
+          </a:prstGeom>
+          <a:solidFill>
+            <a:srgbClr val="E74E3E"/>
+          </a:solidFill>
+          <a:ln>
+            <a:noFill/>
+          </a:ln>
+          <a:effectLst>
+            <a:outerShdw blurRad="50800" dist="12700" dir="5400000" algn="t" rotWithShape="0">
+              <a:prstClr val="black">
+                <a:alpha val="40000"/>
+              </a:prstClr>
+            </a:outerShdw>
+          </a:effectLst>
+        </p:spPr>
+        <p:style>
+          <a:lnRef idx="2">
+            <a:schemeClr val="accent1">
+              <a:shade val="50000"/>
+            </a:schemeClr>
+          </a:lnRef>
+          <a:fillRef idx="1">
+            <a:schemeClr val="accent1"/>
+          </a:fillRef>
+          <a:effectRef idx="0">
+            <a:schemeClr val="accent1"/>
+          </a:effectRef>
+          <a:fontRef idx="minor">
+            <a:schemeClr val="lt1"/>
+          </a:fontRef>
+        </p:style>
+        <p:txBody>
+          <a:bodyPr rtlCol="0" anchor="ctr"/>
+          <a:lstStyle/>
+          <a:p>
+            <a:pPr algn="ctr"/>
+            <a:endParaRPr lang="zh-HK" altLang="en-US"/>
+          </a:p>
+        </p:txBody>
+      </p:sp>
+      <p:sp>
+        <p:nvSpPr>
+          <p:cNvPr id="14" name="矩形 13"/>
+          <p:cNvSpPr/>
+          <p:nvPr/>
+        </p:nvSpPr>
+        <p:spPr>
+          <a:xfrm>
+            <a:off x="50800" y="97061"/>
+            <a:ext cx="1183407" cy="356730"/>
+          </a:xfrm>
+          <a:prstGeom prst="rect">
+            <a:avLst/>
+          </a:prstGeom>
+          <a:solidFill>
+            <a:schemeClr val="bg1"/>
+          </a:solidFill>
+          <a:ln>
+            <a:noFill/>
+          </a:ln>
+        </p:spPr>
+        <p:style>
+          <a:lnRef idx="2">
+            <a:schemeClr val="accent1">
+              <a:shade val="50000"/>
+            </a:schemeClr>
+          </a:lnRef>
+          <a:fillRef idx="1">
+            <a:schemeClr val="accent1"/>
+          </a:fillRef>
+          <a:effectRef idx="0">
+            <a:schemeClr val="accent1"/>
+          </a:effectRef>
+          <a:fontRef idx="minor">
+            <a:schemeClr val="lt1"/>
+          </a:fontRef>
+        </p:style>
+        <p:txBody>
+          <a:bodyPr rtlCol="0" anchor="ctr"/>
+          <a:lstStyle/>
+          <a:p>
+            <a:pPr algn="ctr"/>
+            <a:r>
+              <a:rPr lang="zh-CN" altLang="en-US" b="1" dirty="0">
+                <a:solidFill>
+                  <a:schemeClr val="tx1"/>
+                </a:solidFill>
+              </a:rPr>
+              <a:t>效果演示</a:t>
+            </a:r>
+            <a:endParaRPr lang="zh-HK" altLang="en-US" b="1" dirty="0">
+              <a:solidFill>
+                <a:schemeClr val="tx1"/>
+              </a:solidFill>
+            </a:endParaRPr>
+          </a:p>
+        </p:txBody>
+      </p:sp>
+      <p:sp>
+        <p:nvSpPr>
+          <p:cNvPr id="7" name="文本框 6">
+            <a:extLst>
+              <a:ext uri="{FF2B5EF4-FFF2-40B4-BE49-F238E27FC236}">
+                <a16:creationId xmlns:a16="http://schemas.microsoft.com/office/drawing/2014/main" id="{4E63355D-6CEE-4CCD-B48D-2C2CE663AEE2}"/>
+              </a:ext>
+            </a:extLst>
+          </p:cNvPr>
+          <p:cNvSpPr txBox="1"/>
+          <p:nvPr/>
+        </p:nvSpPr>
+        <p:spPr>
+          <a:xfrm>
+            <a:off x="1234207" y="497528"/>
+            <a:ext cx="6558570" cy="1015663"/>
+          </a:xfrm>
+          <a:prstGeom prst="rect">
+            <a:avLst/>
+          </a:prstGeom>
+          <a:noFill/>
+          <a:ln>
+            <a:noFill/>
+          </a:ln>
+        </p:spPr>
+        <p:txBody>
+          <a:bodyPr wrap="square" rtlCol="0">
+            <a:spAutoFit/>
+          </a:bodyPr>
+          <a:lstStyle/>
+          <a:p>
+            <a:pPr algn="ctr"/>
+            <a:r>
+              <a:rPr lang="en-US" altLang="zh-CN" sz="3600" b="1" dirty="0">
+                <a:solidFill>
+                  <a:srgbClr val="E74E3E"/>
+                </a:solidFill>
+                <a:latin typeface="微软雅黑" panose="020B0503020204020204" pitchFamily="34" charset="-122"/>
+                <a:ea typeface="微软雅黑" panose="020B0503020204020204" pitchFamily="34" charset="-122"/>
+              </a:rPr>
+              <a:t>Demo</a:t>
+            </a:r>
+            <a:r>
+              <a:rPr lang="zh-CN" altLang="en-US" sz="3600" b="1" dirty="0">
+                <a:solidFill>
+                  <a:srgbClr val="E74E3E"/>
+                </a:solidFill>
+                <a:latin typeface="微软雅黑" panose="020B0503020204020204" pitchFamily="34" charset="-122"/>
+                <a:ea typeface="微软雅黑" panose="020B0503020204020204" pitchFamily="34" charset="-122"/>
+              </a:rPr>
+              <a:t>展示</a:t>
+            </a:r>
+            <a:endParaRPr lang="en-US" altLang="zh-CN" sz="3600" b="1" dirty="0">
+              <a:solidFill>
+                <a:srgbClr val="E74E3E"/>
+              </a:solidFill>
+              <a:latin typeface="微软雅黑" panose="020B0503020204020204" pitchFamily="34" charset="-122"/>
+              <a:ea typeface="微软雅黑" panose="020B0503020204020204" pitchFamily="34" charset="-122"/>
+            </a:endParaRPr>
+          </a:p>
+          <a:p>
+            <a:pPr algn="ctr"/>
+            <a:r>
+              <a:rPr lang="zh-CN" altLang="en-US" sz="2400" b="1" dirty="0">
+                <a:solidFill>
+                  <a:srgbClr val="E74E3E"/>
+                </a:solidFill>
+                <a:latin typeface="微软雅黑" panose="020B0503020204020204" pitchFamily="34" charset="-122"/>
+                <a:ea typeface="微软雅黑" panose="020B0503020204020204" pitchFamily="34" charset="-122"/>
+              </a:rPr>
+              <a:t>所有的参数表已保存在</a:t>
+            </a:r>
+            <a:r>
+              <a:rPr lang="en-US" altLang="zh-CN" sz="2400" b="1" dirty="0">
+                <a:solidFill>
+                  <a:srgbClr val="E74E3E"/>
+                </a:solidFill>
+                <a:latin typeface="微软雅黑" panose="020B0503020204020204" pitchFamily="34" charset="-122"/>
+                <a:ea typeface="微软雅黑" panose="020B0503020204020204" pitchFamily="34" charset="-122"/>
+              </a:rPr>
+              <a:t>Demo</a:t>
+            </a:r>
+            <a:r>
+              <a:rPr lang="zh-CN" altLang="en-US" sz="2400" b="1" dirty="0">
+                <a:solidFill>
+                  <a:srgbClr val="E74E3E"/>
+                </a:solidFill>
+                <a:latin typeface="微软雅黑" panose="020B0503020204020204" pitchFamily="34" charset="-122"/>
+                <a:ea typeface="微软雅黑" panose="020B0503020204020204" pitchFamily="34" charset="-122"/>
+              </a:rPr>
+              <a:t>文件夹中</a:t>
+            </a:r>
+            <a:endParaRPr lang="en-US" altLang="zh-CN" sz="2400" b="1" dirty="0">
+              <a:solidFill>
+                <a:srgbClr val="E74E3E"/>
+              </a:solidFill>
+              <a:latin typeface="微软雅黑" panose="020B0503020204020204" pitchFamily="34" charset="-122"/>
+              <a:ea typeface="微软雅黑" panose="020B0503020204020204" pitchFamily="34" charset="-122"/>
+            </a:endParaRPr>
+          </a:p>
+        </p:txBody>
+      </p:sp>
+      <p:pic>
+        <p:nvPicPr>
+          <p:cNvPr id="4" name="图片 3">
+            <a:extLst>
+              <a:ext uri="{FF2B5EF4-FFF2-40B4-BE49-F238E27FC236}">
+                <a16:creationId xmlns:a16="http://schemas.microsoft.com/office/drawing/2014/main" id="{1D5DA6F7-0373-45CA-838D-97295A7E21F0}"/>
+              </a:ext>
+            </a:extLst>
+          </p:cNvPr>
+          <p:cNvPicPr>
+            <a:picLocks noChangeAspect="1"/>
+          </p:cNvPicPr>
+          <p:nvPr/>
+        </p:nvPicPr>
+        <p:blipFill>
+          <a:blip r:embed="rId2">
+            <a:extLst>
+              <a:ext uri="{28A0092B-C50C-407E-A947-70E740481C1C}">
+                <a14:useLocalDpi xmlns:a14="http://schemas.microsoft.com/office/drawing/2010/main" val="0"/>
+              </a:ext>
+            </a:extLst>
+          </a:blip>
+          <a:stretch>
+            <a:fillRect/>
+          </a:stretch>
+        </p:blipFill>
+        <p:spPr>
+          <a:xfrm>
+            <a:off x="213483" y="1894419"/>
+            <a:ext cx="4023070" cy="2271432"/>
+          </a:xfrm>
+          <a:prstGeom prst="rect">
+            <a:avLst/>
+          </a:prstGeom>
+        </p:spPr>
+      </p:pic>
+      <p:pic>
+        <p:nvPicPr>
+          <p:cNvPr id="9" name="图片 8">
+            <a:extLst>
+              <a:ext uri="{FF2B5EF4-FFF2-40B4-BE49-F238E27FC236}">
+                <a16:creationId xmlns:a16="http://schemas.microsoft.com/office/drawing/2014/main" id="{8F516D3C-4006-428C-AEA0-CD7AFFB6669C}"/>
+              </a:ext>
+            </a:extLst>
+          </p:cNvPr>
+          <p:cNvPicPr>
+            <a:picLocks noChangeAspect="1"/>
+          </p:cNvPicPr>
+          <p:nvPr/>
+        </p:nvPicPr>
+        <p:blipFill>
+          <a:blip r:embed="rId3">
+            <a:extLst>
+              <a:ext uri="{28A0092B-C50C-407E-A947-70E740481C1C}">
+                <a14:useLocalDpi xmlns:a14="http://schemas.microsoft.com/office/drawing/2010/main" val="0"/>
+              </a:ext>
+            </a:extLst>
+          </a:blip>
+          <a:stretch>
+            <a:fillRect/>
+          </a:stretch>
+        </p:blipFill>
+        <p:spPr>
+          <a:xfrm>
+            <a:off x="213482" y="4385037"/>
+            <a:ext cx="4023070" cy="2265623"/>
+          </a:xfrm>
+          <a:prstGeom prst="rect">
+            <a:avLst/>
+          </a:prstGeom>
+        </p:spPr>
+      </p:pic>
+      <p:pic>
+        <p:nvPicPr>
+          <p:cNvPr id="15" name="图片 14">
+            <a:extLst>
+              <a:ext uri="{FF2B5EF4-FFF2-40B4-BE49-F238E27FC236}">
+                <a16:creationId xmlns:a16="http://schemas.microsoft.com/office/drawing/2014/main" id="{4F65A947-D2D6-49A4-A778-0B1EB876510D}"/>
+              </a:ext>
+            </a:extLst>
+          </p:cNvPr>
+          <p:cNvPicPr>
+            <a:picLocks noChangeAspect="1"/>
+          </p:cNvPicPr>
+          <p:nvPr/>
+        </p:nvPicPr>
+        <p:blipFill>
+          <a:blip r:embed="rId4">
+            <a:extLst>
+              <a:ext uri="{28A0092B-C50C-407E-A947-70E740481C1C}">
+                <a14:useLocalDpi xmlns:a14="http://schemas.microsoft.com/office/drawing/2010/main" val="0"/>
+              </a:ext>
+            </a:extLst>
+          </a:blip>
+          <a:stretch>
+            <a:fillRect/>
+          </a:stretch>
+        </p:blipFill>
+        <p:spPr>
+          <a:xfrm>
+            <a:off x="4572000" y="1894419"/>
+            <a:ext cx="3948798" cy="2271432"/>
+          </a:xfrm>
+          <a:prstGeom prst="rect">
+            <a:avLst/>
+          </a:prstGeom>
+        </p:spPr>
+      </p:pic>
+      <p:pic>
+        <p:nvPicPr>
+          <p:cNvPr id="19" name="图片 18">
+            <a:extLst>
+              <a:ext uri="{FF2B5EF4-FFF2-40B4-BE49-F238E27FC236}">
+                <a16:creationId xmlns:a16="http://schemas.microsoft.com/office/drawing/2014/main" id="{89C05F6A-C162-40CC-A199-E30AE7FEF677}"/>
+              </a:ext>
+            </a:extLst>
+          </p:cNvPr>
+          <p:cNvPicPr>
+            <a:picLocks noChangeAspect="1"/>
+          </p:cNvPicPr>
+          <p:nvPr/>
+        </p:nvPicPr>
+        <p:blipFill>
+          <a:blip r:embed="rId5">
+            <a:extLst>
+              <a:ext uri="{28A0092B-C50C-407E-A947-70E740481C1C}">
+                <a14:useLocalDpi xmlns:a14="http://schemas.microsoft.com/office/drawing/2010/main" val="0"/>
+              </a:ext>
+            </a:extLst>
+          </a:blip>
+          <a:stretch>
+            <a:fillRect/>
+          </a:stretch>
+        </p:blipFill>
+        <p:spPr>
+          <a:xfrm>
+            <a:off x="4572001" y="4385037"/>
+            <a:ext cx="3948798" cy="2231317"/>
+          </a:xfrm>
+          <a:prstGeom prst="rect">
+            <a:avLst/>
+          </a:prstGeom>
+        </p:spPr>
+      </p:pic>
+    </p:spTree>
+    <p:extLst>
+      <p:ext uri="{BB962C8B-B14F-4D97-AF65-F5344CB8AC3E}">
+        <p14:creationId xmlns:p14="http://schemas.microsoft.com/office/powerpoint/2010/main" val="3508309146"/>
+      </p:ext>
+    </p:extLst>
+  </p:cSld>
+  <p:clrMapOvr>
+    <a:masterClrMapping/>
+  </p:clrMapOvr>
+  <p:transition>
+    <p:wipe/>
+  </p:transition>
+</p:sld>
+</file>
+
+<file path=ppt/slides/slide24.xml><?xml version="1.0" encoding="utf-8"?>
+<p:sld xmlns:a="http://schemas.openxmlformats.org/drawingml/2006/main" xmlns:r="http://schemas.openxmlformats.org/officeDocument/2006/relationships" xmlns:p="http://schemas.openxmlformats.org/presentationml/2006/main">
+  <p:cSld>
+    <p:spTree>
+      <p:nvGrpSpPr>
+        <p:cNvPr id="1" name=""/>
+        <p:cNvGrpSpPr/>
+        <p:nvPr/>
+      </p:nvGrpSpPr>
+      <p:grpSpPr>
+        <a:xfrm>
+          <a:off x="0" y="0"/>
+          <a:ext cx="0" cy="0"/>
+          <a:chOff x="0" y="0"/>
+          <a:chExt cx="0" cy="0"/>
+        </a:xfrm>
+      </p:grpSpPr>
+      <p:sp>
+        <p:nvSpPr>
+          <p:cNvPr id="12" name="矩形 11"/>
+          <p:cNvSpPr/>
+          <p:nvPr/>
+        </p:nvSpPr>
+        <p:spPr>
+          <a:xfrm>
+            <a:off x="0" y="0"/>
+            <a:ext cx="9144000" cy="557154"/>
+          </a:xfrm>
+          <a:prstGeom prst="rect">
+            <a:avLst/>
+          </a:prstGeom>
+          <a:solidFill>
+            <a:srgbClr val="E74E3E"/>
+          </a:solidFill>
+          <a:ln>
+            <a:noFill/>
+          </a:ln>
+          <a:effectLst>
+            <a:outerShdw blurRad="50800" dist="12700" dir="5400000" algn="t" rotWithShape="0">
+              <a:prstClr val="black">
+                <a:alpha val="40000"/>
+              </a:prstClr>
+            </a:outerShdw>
+          </a:effectLst>
+        </p:spPr>
+        <p:style>
+          <a:lnRef idx="2">
+            <a:schemeClr val="accent1">
+              <a:shade val="50000"/>
+            </a:schemeClr>
+          </a:lnRef>
+          <a:fillRef idx="1">
+            <a:schemeClr val="accent1"/>
+          </a:fillRef>
+          <a:effectRef idx="0">
+            <a:schemeClr val="accent1"/>
+          </a:effectRef>
+          <a:fontRef idx="minor">
+            <a:schemeClr val="lt1"/>
+          </a:fontRef>
+        </p:style>
+        <p:txBody>
+          <a:bodyPr rtlCol="0" anchor="ctr"/>
+          <a:lstStyle/>
+          <a:p>
+            <a:pPr algn="ctr"/>
+            <a:endParaRPr lang="zh-HK" altLang="en-US"/>
+          </a:p>
+        </p:txBody>
+      </p:sp>
+      <p:sp>
+        <p:nvSpPr>
+          <p:cNvPr id="14" name="矩形 13"/>
+          <p:cNvSpPr/>
+          <p:nvPr/>
+        </p:nvSpPr>
+        <p:spPr>
+          <a:xfrm>
+            <a:off x="50800" y="97061"/>
+            <a:ext cx="1183407" cy="356730"/>
+          </a:xfrm>
+          <a:prstGeom prst="rect">
+            <a:avLst/>
+          </a:prstGeom>
+          <a:solidFill>
+            <a:schemeClr val="bg1"/>
+          </a:solidFill>
+          <a:ln>
+            <a:noFill/>
+          </a:ln>
+        </p:spPr>
+        <p:style>
+          <a:lnRef idx="2">
+            <a:schemeClr val="accent1">
+              <a:shade val="50000"/>
+            </a:schemeClr>
+          </a:lnRef>
+          <a:fillRef idx="1">
+            <a:schemeClr val="accent1"/>
+          </a:fillRef>
+          <a:effectRef idx="0">
+            <a:schemeClr val="accent1"/>
+          </a:effectRef>
+          <a:fontRef idx="minor">
+            <a:schemeClr val="lt1"/>
+          </a:fontRef>
+        </p:style>
+        <p:txBody>
+          <a:bodyPr rtlCol="0" anchor="ctr"/>
+          <a:lstStyle/>
+          <a:p>
+            <a:pPr algn="ctr"/>
+            <a:r>
+              <a:rPr lang="zh-CN" altLang="en-US" b="1" dirty="0">
+                <a:solidFill>
+                  <a:schemeClr val="tx1"/>
+                </a:solidFill>
+              </a:rPr>
+              <a:t>效果演示</a:t>
+            </a:r>
+            <a:endParaRPr lang="zh-HK" altLang="en-US" b="1" dirty="0">
+              <a:solidFill>
+                <a:schemeClr val="tx1"/>
+              </a:solidFill>
+            </a:endParaRPr>
+          </a:p>
+        </p:txBody>
+      </p:sp>
+      <p:sp>
+        <p:nvSpPr>
+          <p:cNvPr id="7" name="文本框 6">
+            <a:extLst>
+              <a:ext uri="{FF2B5EF4-FFF2-40B4-BE49-F238E27FC236}">
+                <a16:creationId xmlns:a16="http://schemas.microsoft.com/office/drawing/2014/main" id="{4E63355D-6CEE-4CCD-B48D-2C2CE663AEE2}"/>
+              </a:ext>
+            </a:extLst>
+          </p:cNvPr>
+          <p:cNvSpPr txBox="1"/>
+          <p:nvPr/>
+        </p:nvSpPr>
+        <p:spPr>
+          <a:xfrm>
+            <a:off x="1234207" y="497528"/>
+            <a:ext cx="6558570" cy="1015663"/>
+          </a:xfrm>
+          <a:prstGeom prst="rect">
+            <a:avLst/>
+          </a:prstGeom>
+          <a:noFill/>
+          <a:ln>
+            <a:noFill/>
+          </a:ln>
+        </p:spPr>
+        <p:txBody>
+          <a:bodyPr wrap="square" rtlCol="0">
+            <a:spAutoFit/>
+          </a:bodyPr>
+          <a:lstStyle/>
+          <a:p>
+            <a:pPr algn="ctr"/>
+            <a:r>
+              <a:rPr lang="en-US" altLang="zh-CN" sz="3600" b="1" dirty="0">
+                <a:solidFill>
+                  <a:srgbClr val="E74E3E"/>
+                </a:solidFill>
+                <a:latin typeface="微软雅黑" panose="020B0503020204020204" pitchFamily="34" charset="-122"/>
+                <a:ea typeface="微软雅黑" panose="020B0503020204020204" pitchFamily="34" charset="-122"/>
+              </a:rPr>
+              <a:t>Demo</a:t>
+            </a:r>
+            <a:r>
+              <a:rPr lang="zh-CN" altLang="en-US" sz="3600" b="1" dirty="0">
+                <a:solidFill>
+                  <a:srgbClr val="E74E3E"/>
+                </a:solidFill>
+                <a:latin typeface="微软雅黑" panose="020B0503020204020204" pitchFamily="34" charset="-122"/>
+                <a:ea typeface="微软雅黑" panose="020B0503020204020204" pitchFamily="34" charset="-122"/>
+              </a:rPr>
+              <a:t>展示</a:t>
+            </a:r>
+            <a:endParaRPr lang="en-US" altLang="zh-CN" sz="3600" b="1" dirty="0">
+              <a:solidFill>
+                <a:srgbClr val="E74E3E"/>
+              </a:solidFill>
+              <a:latin typeface="微软雅黑" panose="020B0503020204020204" pitchFamily="34" charset="-122"/>
+              <a:ea typeface="微软雅黑" panose="020B0503020204020204" pitchFamily="34" charset="-122"/>
+            </a:endParaRPr>
+          </a:p>
+          <a:p>
+            <a:pPr algn="ctr"/>
+            <a:r>
+              <a:rPr lang="zh-CN" altLang="en-US" sz="2400" b="1" dirty="0">
+                <a:solidFill>
+                  <a:srgbClr val="E74E3E"/>
+                </a:solidFill>
+                <a:latin typeface="微软雅黑" panose="020B0503020204020204" pitchFamily="34" charset="-122"/>
+                <a:ea typeface="微软雅黑" panose="020B0503020204020204" pitchFamily="34" charset="-122"/>
+              </a:rPr>
+              <a:t>所有的参数表已保存在</a:t>
+            </a:r>
+            <a:r>
+              <a:rPr lang="en-US" altLang="zh-CN" sz="2400" b="1" dirty="0">
+                <a:solidFill>
+                  <a:srgbClr val="E74E3E"/>
+                </a:solidFill>
+                <a:latin typeface="微软雅黑" panose="020B0503020204020204" pitchFamily="34" charset="-122"/>
+                <a:ea typeface="微软雅黑" panose="020B0503020204020204" pitchFamily="34" charset="-122"/>
+              </a:rPr>
+              <a:t>Demo</a:t>
+            </a:r>
+            <a:r>
+              <a:rPr lang="zh-CN" altLang="en-US" sz="2400" b="1" dirty="0">
+                <a:solidFill>
+                  <a:srgbClr val="E74E3E"/>
+                </a:solidFill>
+                <a:latin typeface="微软雅黑" panose="020B0503020204020204" pitchFamily="34" charset="-122"/>
+                <a:ea typeface="微软雅黑" panose="020B0503020204020204" pitchFamily="34" charset="-122"/>
+              </a:rPr>
+              <a:t>文件夹中</a:t>
+            </a:r>
+            <a:endParaRPr lang="en-US" altLang="zh-CN" sz="2400" b="1" dirty="0">
+              <a:solidFill>
+                <a:srgbClr val="E74E3E"/>
+              </a:solidFill>
+              <a:latin typeface="微软雅黑" panose="020B0503020204020204" pitchFamily="34" charset="-122"/>
+              <a:ea typeface="微软雅黑" panose="020B0503020204020204" pitchFamily="34" charset="-122"/>
+            </a:endParaRPr>
+          </a:p>
+        </p:txBody>
+      </p:sp>
+      <p:pic>
+        <p:nvPicPr>
+          <p:cNvPr id="3" name="图片 2">
+            <a:extLst>
+              <a:ext uri="{FF2B5EF4-FFF2-40B4-BE49-F238E27FC236}">
+                <a16:creationId xmlns:a16="http://schemas.microsoft.com/office/drawing/2014/main" id="{F122958B-6756-4E49-B071-18E2318B6AB2}"/>
+              </a:ext>
+            </a:extLst>
+          </p:cNvPr>
+          <p:cNvPicPr>
+            <a:picLocks noChangeAspect="1"/>
+          </p:cNvPicPr>
+          <p:nvPr/>
+        </p:nvPicPr>
+        <p:blipFill>
+          <a:blip r:embed="rId2">
+            <a:extLst>
+              <a:ext uri="{28A0092B-C50C-407E-A947-70E740481C1C}">
+                <a14:useLocalDpi xmlns:a14="http://schemas.microsoft.com/office/drawing/2010/main" val="0"/>
+              </a:ext>
+            </a:extLst>
+          </a:blip>
+          <a:stretch>
+            <a:fillRect/>
+          </a:stretch>
+        </p:blipFill>
+        <p:spPr>
+          <a:xfrm>
+            <a:off x="261318" y="1833455"/>
+            <a:ext cx="3987779" cy="2265623"/>
+          </a:xfrm>
+          <a:prstGeom prst="rect">
+            <a:avLst/>
+          </a:prstGeom>
+        </p:spPr>
+      </p:pic>
+      <p:pic>
+        <p:nvPicPr>
+          <p:cNvPr id="6" name="图片 5">
+            <a:extLst>
+              <a:ext uri="{FF2B5EF4-FFF2-40B4-BE49-F238E27FC236}">
+                <a16:creationId xmlns:a16="http://schemas.microsoft.com/office/drawing/2014/main" id="{F6B56AE1-4314-4F2E-9A74-D8E595EB490C}"/>
+              </a:ext>
+            </a:extLst>
+          </p:cNvPr>
+          <p:cNvPicPr>
+            <a:picLocks noChangeAspect="1"/>
+          </p:cNvPicPr>
+          <p:nvPr/>
+        </p:nvPicPr>
+        <p:blipFill>
+          <a:blip r:embed="rId3">
+            <a:extLst>
+              <a:ext uri="{28A0092B-C50C-407E-A947-70E740481C1C}">
+                <a14:useLocalDpi xmlns:a14="http://schemas.microsoft.com/office/drawing/2010/main" val="0"/>
+              </a:ext>
+            </a:extLst>
+          </a:blip>
+          <a:stretch>
+            <a:fillRect/>
+          </a:stretch>
+        </p:blipFill>
+        <p:spPr>
+          <a:xfrm>
+            <a:off x="4534865" y="1833455"/>
+            <a:ext cx="4023070" cy="2290716"/>
+          </a:xfrm>
+          <a:prstGeom prst="rect">
+            <a:avLst/>
+          </a:prstGeom>
+        </p:spPr>
+      </p:pic>
+      <p:pic>
+        <p:nvPicPr>
+          <p:cNvPr id="10" name="图片 9">
+            <a:extLst>
+              <a:ext uri="{FF2B5EF4-FFF2-40B4-BE49-F238E27FC236}">
+                <a16:creationId xmlns:a16="http://schemas.microsoft.com/office/drawing/2014/main" id="{CF4AA6CB-0852-46FC-AADD-BD3DA18E5BF3}"/>
+              </a:ext>
+            </a:extLst>
+          </p:cNvPr>
+          <p:cNvPicPr>
+            <a:picLocks noChangeAspect="1"/>
+          </p:cNvPicPr>
+          <p:nvPr/>
+        </p:nvPicPr>
+        <p:blipFill>
+          <a:blip r:embed="rId4">
+            <a:extLst>
+              <a:ext uri="{28A0092B-C50C-407E-A947-70E740481C1C}">
+                <a14:useLocalDpi xmlns:a14="http://schemas.microsoft.com/office/drawing/2010/main" val="0"/>
+              </a:ext>
+            </a:extLst>
+          </a:blip>
+          <a:stretch>
+            <a:fillRect/>
+          </a:stretch>
+        </p:blipFill>
+        <p:spPr>
+          <a:xfrm>
+            <a:off x="276366" y="4374978"/>
+            <a:ext cx="4068147" cy="2265623"/>
+          </a:xfrm>
+          <a:prstGeom prst="rect">
+            <a:avLst/>
+          </a:prstGeom>
+        </p:spPr>
+      </p:pic>
+      <p:pic>
+        <p:nvPicPr>
+          <p:cNvPr id="13" name="图片 12">
+            <a:extLst>
+              <a:ext uri="{FF2B5EF4-FFF2-40B4-BE49-F238E27FC236}">
+                <a16:creationId xmlns:a16="http://schemas.microsoft.com/office/drawing/2014/main" id="{943BE654-57DA-497F-A31A-F6C4B319EF3F}"/>
+              </a:ext>
+            </a:extLst>
+          </p:cNvPr>
+          <p:cNvPicPr>
+            <a:picLocks noChangeAspect="1"/>
+          </p:cNvPicPr>
+          <p:nvPr/>
+        </p:nvPicPr>
+        <p:blipFill>
+          <a:blip r:embed="rId5">
+            <a:extLst>
+              <a:ext uri="{28A0092B-C50C-407E-A947-70E740481C1C}">
+                <a14:useLocalDpi xmlns:a14="http://schemas.microsoft.com/office/drawing/2010/main" val="0"/>
+              </a:ext>
+            </a:extLst>
+          </a:blip>
+          <a:stretch>
+            <a:fillRect/>
+          </a:stretch>
+        </p:blipFill>
+        <p:spPr>
+          <a:xfrm>
+            <a:off x="4572000" y="4374977"/>
+            <a:ext cx="4049352" cy="2265623"/>
+          </a:xfrm>
+          <a:prstGeom prst="rect">
+            <a:avLst/>
+          </a:prstGeom>
+        </p:spPr>
+      </p:pic>
+    </p:spTree>
+    <p:extLst>
+      <p:ext uri="{BB962C8B-B14F-4D97-AF65-F5344CB8AC3E}">
+        <p14:creationId xmlns:p14="http://schemas.microsoft.com/office/powerpoint/2010/main" val="882763192"/>
+      </p:ext>
+    </p:extLst>
+  </p:cSld>
+  <p:clrMapOvr>
+    <a:masterClrMapping/>
+  </p:clrMapOvr>
+  <p:transition>
+    <p:wipe/>
+  </p:transition>
+</p:sld>
+</file>
+
+<file path=ppt/slides/slide25.xml><?xml version="1.0" encoding="utf-8"?>
 <p:sld xmlns:a="http://schemas.openxmlformats.org/drawingml/2006/main" xmlns:r="http://schemas.openxmlformats.org/officeDocument/2006/relationships" xmlns:p="http://schemas.openxmlformats.org/presentationml/2006/main">
   <p:cSld>
     <p:bg>
@@ -18480,7 +20573,7 @@
 </p:sld>
 </file>
 
-<file path=ppt/slides/slide23.xml><?xml version="1.0" encoding="utf-8"?>
+<file path=ppt/slides/slide26.xml><?xml version="1.0" encoding="utf-8"?>
 <p:sld xmlns:a="http://schemas.openxmlformats.org/drawingml/2006/main" xmlns:r="http://schemas.openxmlformats.org/officeDocument/2006/relationships" xmlns:p="http://schemas.openxmlformats.org/presentationml/2006/main">
   <p:cSld>
     <p:spTree>
@@ -18838,7 +20931,7 @@
 </p:sld>
 </file>
 
-<file path=ppt/slides/slide24.xml><?xml version="1.0" encoding="utf-8"?>
+<file path=ppt/slides/slide27.xml><?xml version="1.0" encoding="utf-8"?>
 <p:sld xmlns:a="http://schemas.openxmlformats.org/drawingml/2006/main" xmlns:r="http://schemas.openxmlformats.org/officeDocument/2006/relationships" xmlns:p="http://schemas.openxmlformats.org/presentationml/2006/main">
   <p:cSld>
     <p:spTree>
@@ -18971,8 +21064,8 @@
         </p:nvSpPr>
         <p:spPr>
           <a:xfrm>
-            <a:off x="302631" y="1606664"/>
-            <a:ext cx="8538736" cy="4893647"/>
+            <a:off x="302631" y="1949564"/>
+            <a:ext cx="8538736" cy="3785652"/>
           </a:xfrm>
           <a:prstGeom prst="rect">
             <a:avLst/>
@@ -19022,7 +21115,7 @@
                 <a:latin typeface="微软雅黑" panose="020B0503020204020204" pitchFamily="34" charset="-122"/>
                 <a:ea typeface="微软雅黑" panose="020B0503020204020204" pitchFamily="34" charset="-122"/>
               </a:rPr>
-              <a:t>由于</a:t>
+              <a:t>在预览频谱图时由于计算真实频谱图开销过大，可控</a:t>
             </a:r>
             <a:r>
               <a:rPr lang="en-US" altLang="zh-CN" sz="2400" b="1" dirty="0">
@@ -19032,6 +21125,26 @@
                 <a:latin typeface="微软雅黑" panose="020B0503020204020204" pitchFamily="34" charset="-122"/>
                 <a:ea typeface="微软雅黑" panose="020B0503020204020204" pitchFamily="34" charset="-122"/>
               </a:rPr>
+              <a:t>/</a:t>
+            </a:r>
+            <a:r>
+              <a:rPr lang="zh-CN" altLang="en-US" sz="2400" b="1" dirty="0">
+                <a:solidFill>
+                  <a:srgbClr val="E74E3E"/>
+                </a:solidFill>
+                <a:latin typeface="微软雅黑" panose="020B0503020204020204" pitchFamily="34" charset="-122"/>
+                <a:ea typeface="微软雅黑" panose="020B0503020204020204" pitchFamily="34" charset="-122"/>
+              </a:rPr>
+              <a:t>各向同性的卷积核频谱公式过于复杂，所以仅实现了对于各向异性卷积核的频谱模拟。（设置</a:t>
+            </a:r>
+            <a:r>
+              <a:rPr lang="en-US" altLang="zh-CN" sz="2400" b="1" dirty="0">
+                <a:solidFill>
+                  <a:srgbClr val="E74E3E"/>
+                </a:solidFill>
+                <a:latin typeface="微软雅黑" panose="020B0503020204020204" pitchFamily="34" charset="-122"/>
+                <a:ea typeface="微软雅黑" panose="020B0503020204020204" pitchFamily="34" charset="-122"/>
+              </a:rPr>
               <a:t>Range</a:t>
             </a:r>
             <a:r>
@@ -19042,67 +21155,7 @@
                 <a:latin typeface="微软雅黑" panose="020B0503020204020204" pitchFamily="34" charset="-122"/>
                 <a:ea typeface="微软雅黑" panose="020B0503020204020204" pitchFamily="34" charset="-122"/>
               </a:rPr>
-              <a:t>参数是后期为了方便设置加入的，考虑到效率以及实时的预览，并没有能够在预览界面与频谱中表现出来。在大量使用</a:t>
-            </a:r>
-            <a:r>
-              <a:rPr lang="en-US" altLang="zh-CN" sz="2400" b="1" dirty="0">
-                <a:solidFill>
-                  <a:srgbClr val="E74E3E"/>
-                </a:solidFill>
-                <a:latin typeface="微软雅黑" panose="020B0503020204020204" pitchFamily="34" charset="-122"/>
-                <a:ea typeface="微软雅黑" panose="020B0503020204020204" pitchFamily="34" charset="-122"/>
-              </a:rPr>
-              <a:t>Range</a:t>
-            </a:r>
-            <a:r>
-              <a:rPr lang="zh-CN" altLang="en-US" sz="2400" b="1" dirty="0">
-                <a:solidFill>
-                  <a:srgbClr val="E74E3E"/>
-                </a:solidFill>
-                <a:latin typeface="微软雅黑" panose="020B0503020204020204" pitchFamily="34" charset="-122"/>
-                <a:ea typeface="微软雅黑" panose="020B0503020204020204" pitchFamily="34" charset="-122"/>
-              </a:rPr>
-              <a:t>时不够直观，而如果重复的复制工作量就会很大。可以采取的解决方案是把</a:t>
-            </a:r>
-            <a:r>
-              <a:rPr lang="en-US" altLang="zh-CN" sz="2400" b="1" dirty="0">
-                <a:solidFill>
-                  <a:srgbClr val="E74E3E"/>
-                </a:solidFill>
-                <a:latin typeface="微软雅黑" panose="020B0503020204020204" pitchFamily="34" charset="-122"/>
-                <a:ea typeface="微软雅黑" panose="020B0503020204020204" pitchFamily="34" charset="-122"/>
-              </a:rPr>
-              <a:t>Range</a:t>
-            </a:r>
-            <a:r>
-              <a:rPr lang="zh-CN" altLang="en-US" sz="2400" b="1" dirty="0">
-                <a:solidFill>
-                  <a:srgbClr val="E74E3E"/>
-                </a:solidFill>
-                <a:latin typeface="微软雅黑" panose="020B0503020204020204" pitchFamily="34" charset="-122"/>
-                <a:ea typeface="微软雅黑" panose="020B0503020204020204" pitchFamily="34" charset="-122"/>
-              </a:rPr>
-              <a:t>拆解成多个</a:t>
-            </a:r>
-            <a:r>
-              <a:rPr lang="en-US" altLang="zh-CN" sz="2400" b="1" dirty="0">
-                <a:solidFill>
-                  <a:srgbClr val="E74E3E"/>
-                </a:solidFill>
-                <a:latin typeface="微软雅黑" panose="020B0503020204020204" pitchFamily="34" charset="-122"/>
-                <a:ea typeface="微软雅黑" panose="020B0503020204020204" pitchFamily="34" charset="-122"/>
-              </a:rPr>
-              <a:t>Kernel Data</a:t>
-            </a:r>
-            <a:r>
-              <a:rPr lang="zh-CN" altLang="en-US" sz="2400" b="1" dirty="0">
-                <a:solidFill>
-                  <a:srgbClr val="E74E3E"/>
-                </a:solidFill>
-                <a:latin typeface="微软雅黑" panose="020B0503020204020204" pitchFamily="34" charset="-122"/>
-                <a:ea typeface="微软雅黑" panose="020B0503020204020204" pitchFamily="34" charset="-122"/>
-              </a:rPr>
-              <a:t>。</a:t>
+              <a:t>改变卷积核方向时不会体现在预览中）</a:t>
             </a:r>
             <a:endParaRPr lang="en-US" altLang="zh-CN" sz="2400" b="1" dirty="0">
               <a:solidFill>
@@ -19240,7 +21293,27 @@
                 <a:latin typeface="微软雅黑" panose="020B0503020204020204" pitchFamily="34" charset="-122"/>
                 <a:ea typeface="微软雅黑" panose="020B0503020204020204" pitchFamily="34" charset="-122"/>
               </a:rPr>
-              <a:t>的自带函数没有实现论文中原生的曲面纹理映射。</a:t>
+              <a:t>的自带函数没有实现论文中使用的</a:t>
+            </a:r>
+            <a:r>
+              <a:rPr lang="en-US" altLang="zh-CN" sz="2400" b="1" dirty="0">
+                <a:solidFill>
+                  <a:srgbClr val="E74E3E"/>
+                </a:solidFill>
+                <a:latin typeface="微软雅黑" panose="020B0503020204020204" pitchFamily="34" charset="-122"/>
+                <a:ea typeface="微软雅黑" panose="020B0503020204020204" pitchFamily="34" charset="-122"/>
+              </a:rPr>
+              <a:t>3D</a:t>
+            </a:r>
+            <a:r>
+              <a:rPr lang="zh-CN" altLang="en-US" sz="2400" b="1" dirty="0">
+                <a:solidFill>
+                  <a:srgbClr val="E74E3E"/>
+                </a:solidFill>
+                <a:latin typeface="微软雅黑" panose="020B0503020204020204" pitchFamily="34" charset="-122"/>
+                <a:ea typeface="微软雅黑" panose="020B0503020204020204" pitchFamily="34" charset="-122"/>
+              </a:rPr>
+              <a:t>表面纹理映射。</a:t>
             </a:r>
             <a:endParaRPr lang="en-US" altLang="zh-CN" sz="2400" b="1" dirty="0">
               <a:solidFill>
@@ -19261,52 +21334,6 @@
               </a:rPr>
               <a:t>	</a:t>
             </a:r>
-            <a:r>
-              <a:rPr lang="zh-CN" altLang="en-US" sz="2400" b="1" dirty="0">
-                <a:solidFill>
-                  <a:srgbClr val="E74E3E"/>
-                </a:solidFill>
-                <a:latin typeface="微软雅黑" panose="020B0503020204020204" pitchFamily="34" charset="-122"/>
-                <a:ea typeface="微软雅黑" panose="020B0503020204020204" pitchFamily="34" charset="-122"/>
-              </a:rPr>
-              <a:t>可以加入色彩映射使纹理更加丰富，但是受限于找不到合适的</a:t>
-            </a:r>
-            <a:r>
-              <a:rPr lang="en-US" altLang="zh-CN" sz="2400" b="1" dirty="0">
-                <a:solidFill>
-                  <a:srgbClr val="E74E3E"/>
-                </a:solidFill>
-                <a:latin typeface="微软雅黑" panose="020B0503020204020204" pitchFamily="34" charset="-122"/>
-                <a:ea typeface="微软雅黑" panose="020B0503020204020204" pitchFamily="34" charset="-122"/>
-              </a:rPr>
-              <a:t>UI</a:t>
-            </a:r>
-            <a:r>
-              <a:rPr lang="zh-CN" altLang="en-US" sz="2400" b="1" dirty="0">
-                <a:solidFill>
-                  <a:srgbClr val="E74E3E"/>
-                </a:solidFill>
-                <a:latin typeface="微软雅黑" panose="020B0503020204020204" pitchFamily="34" charset="-122"/>
-                <a:ea typeface="微软雅黑" panose="020B0503020204020204" pitchFamily="34" charset="-122"/>
-              </a:rPr>
-              <a:t>控件，只能读取参数表，与界面不符就舍弃了。</a:t>
-            </a:r>
-            <a:endParaRPr lang="en-US" altLang="zh-CN" sz="2400" b="1" dirty="0">
-              <a:solidFill>
-                <a:srgbClr val="E74E3E"/>
-              </a:solidFill>
-              <a:latin typeface="微软雅黑" panose="020B0503020204020204" pitchFamily="34" charset="-122"/>
-              <a:ea typeface="微软雅黑" panose="020B0503020204020204" pitchFamily="34" charset="-122"/>
-            </a:endParaRPr>
-          </a:p>
-          <a:p>
-            <a:endParaRPr lang="en-US" altLang="zh-CN" sz="2400" b="1" dirty="0">
-              <a:solidFill>
-                <a:srgbClr val="E74E3E"/>
-              </a:solidFill>
-              <a:latin typeface="微软雅黑" panose="020B0503020204020204" pitchFamily="34" charset="-122"/>
-              <a:ea typeface="微软雅黑" panose="020B0503020204020204" pitchFamily="34" charset="-122"/>
-            </a:endParaRPr>
           </a:p>
         </p:txBody>
       </p:sp>
@@ -19390,7 +21417,7 @@
 </p:sld>
 </file>
 
-<file path=ppt/slides/slide25.xml><?xml version="1.0" encoding="utf-8"?>
+<file path=ppt/slides/slide28.xml><?xml version="1.0" encoding="utf-8"?>
 <p:sld xmlns:a="http://schemas.openxmlformats.org/drawingml/2006/main" xmlns:r="http://schemas.openxmlformats.org/officeDocument/2006/relationships" xmlns:p="http://schemas.openxmlformats.org/presentationml/2006/main">
   <p:cSld>
     <p:spTree>
